--- a/04-aws-cli/04-aws-cli.pptx
+++ b/04-aws-cli/04-aws-cli.pptx
@@ -4712,7 +4712,7 @@
           <a:p>
             <a:r>
               <a:rPr lang="en-US" dirty="0"/>
-              <a:t>AWS CLI and SDKs</a:t>
+              <a:t>AWS CLI</a:t>
             </a:r>
           </a:p>
         </p:txBody>
@@ -9058,7 +9058,7 @@
           <a:p>
             <a:r>
               <a:rPr lang="en-US" dirty="0"/>
-              <a:t>AWS CLI &amp; SDKs config priority</a:t>
+              <a:t>AWS CLI config priority</a:t>
             </a:r>
           </a:p>
         </p:txBody>
@@ -9134,12 +9134,8 @@
               <a:t>~/.</a:t>
             </a:r>
             <a:r>
-              <a:rPr lang="en-US" dirty="0" err="1"/>
-              <a:t>aws</a:t>
-            </a:r>
-            <a:r>
               <a:rPr lang="en-US" dirty="0"/>
-              <a:t>/ configuration files</a:t>
+              <a:t>aws/ configuration files</a:t>
             </a:r>
             <a:br>
               <a:rPr lang="en-US" dirty="0"/>
@@ -9329,224 +9325,10 @@
       </p:pic>
       <p:grpSp>
         <p:nvGrpSpPr>
-          <p:cNvPr id="13" name="Group 12">
-            <a:extLst>
-              <a:ext uri="{FF2B5EF4-FFF2-40B4-BE49-F238E27FC236}">
-                <a16:creationId xmlns:a16="http://schemas.microsoft.com/office/drawing/2014/main" id="{9B04C4B7-9823-D54F-B0F7-AE407E5858EB}"/>
-              </a:ext>
-            </a:extLst>
-          </p:cNvPr>
-          <p:cNvGrpSpPr/>
-          <p:nvPr/>
-        </p:nvGrpSpPr>
-        <p:grpSpPr>
-          <a:xfrm>
-            <a:off x="6973619" y="5590971"/>
-            <a:ext cx="1383493" cy="276999"/>
-            <a:chOff x="3486503" y="5560195"/>
-            <a:chExt cx="1383493" cy="276999"/>
-          </a:xfrm>
-        </p:grpSpPr>
-        <p:cxnSp>
-          <p:nvCxnSpPr>
-            <p:cNvPr id="14" name="Straight Arrow Connector 13">
-              <a:extLst>
-                <a:ext uri="{FF2B5EF4-FFF2-40B4-BE49-F238E27FC236}">
-                  <a16:creationId xmlns:a16="http://schemas.microsoft.com/office/drawing/2014/main" id="{49AAE12C-08D5-4344-9A90-4C6B66F6C9D1}"/>
-                </a:ext>
-              </a:extLst>
-            </p:cNvPr>
-            <p:cNvCxnSpPr>
-              <a:cxnSpLocks/>
-              <a:stCxn id="17" idx="3"/>
-              <a:endCxn id="19" idx="1"/>
-            </p:cNvCxnSpPr>
-            <p:nvPr/>
-          </p:nvCxnSpPr>
-          <p:spPr bwMode="auto">
-            <a:xfrm flipV="1">
-              <a:off x="3486503" y="5698696"/>
-              <a:ext cx="1383493" cy="21394"/>
-            </a:xfrm>
-            <a:prstGeom prst="straightConnector1">
-              <a:avLst/>
-            </a:prstGeom>
-            <a:ln w="12700">
-              <a:solidFill>
-                <a:srgbClr val="545B64"/>
-              </a:solidFill>
-              <a:headEnd type="none" w="med" len="sm"/>
-              <a:tailEnd type="arrow" w="med" len="sm"/>
-            </a:ln>
-          </p:spPr>
-          <p:style>
-            <a:lnRef idx="1">
-              <a:schemeClr val="accent1"/>
-            </a:lnRef>
-            <a:fillRef idx="0">
-              <a:schemeClr val="accent1"/>
-            </a:fillRef>
-            <a:effectRef idx="0">
-              <a:schemeClr val="accent1"/>
-            </a:effectRef>
-            <a:fontRef idx="minor">
-              <a:schemeClr val="tx1"/>
-            </a:fontRef>
-          </p:style>
-        </p:cxnSp>
-        <p:sp>
-          <p:nvSpPr>
-            <p:cNvPr id="15" name="TextBox 6">
-              <a:extLst>
-                <a:ext uri="{FF2B5EF4-FFF2-40B4-BE49-F238E27FC236}">
-                  <a16:creationId xmlns:a16="http://schemas.microsoft.com/office/drawing/2014/main" id="{FDE3E6AC-D933-DB41-8436-569CAC32A9E7}"/>
-                </a:ext>
-              </a:extLst>
-            </p:cNvPr>
-            <p:cNvSpPr txBox="1">
-              <a:spLocks noChangeArrowheads="1"/>
-            </p:cNvSpPr>
-            <p:nvPr/>
-          </p:nvSpPr>
-          <p:spPr bwMode="auto">
-            <a:xfrm>
-              <a:off x="3740108" y="5560195"/>
-              <a:ext cx="867807" cy="276999"/>
-            </a:xfrm>
-            <a:prstGeom prst="rect">
-              <a:avLst/>
-            </a:prstGeom>
-            <a:solidFill>
-              <a:schemeClr val="bg1"/>
-            </a:solidFill>
-            <a:ln>
-              <a:solidFill>
-                <a:srgbClr val="002060"/>
-              </a:solidFill>
-            </a:ln>
-          </p:spPr>
-          <p:txBody>
-            <a:bodyPr wrap="square">
-              <a:spAutoFit/>
-            </a:bodyPr>
-            <a:lstStyle>
-              <a:lvl1pPr>
-                <a:defRPr>
-                  <a:solidFill>
-                    <a:schemeClr val="tx1"/>
-                  </a:solidFill>
-                  <a:latin typeface="Calibri" panose="020F0502020204030204" pitchFamily="34" charset="0"/>
-                </a:defRPr>
-              </a:lvl1pPr>
-              <a:lvl2pPr marL="742950" indent="-285750">
-                <a:defRPr>
-                  <a:solidFill>
-                    <a:schemeClr val="tx1"/>
-                  </a:solidFill>
-                  <a:latin typeface="Calibri" panose="020F0502020204030204" pitchFamily="34" charset="0"/>
-                </a:defRPr>
-              </a:lvl2pPr>
-              <a:lvl3pPr marL="1143000" indent="-228600">
-                <a:defRPr>
-                  <a:solidFill>
-                    <a:schemeClr val="tx1"/>
-                  </a:solidFill>
-                  <a:latin typeface="Calibri" panose="020F0502020204030204" pitchFamily="34" charset="0"/>
-                </a:defRPr>
-              </a:lvl3pPr>
-              <a:lvl4pPr marL="1600200" indent="-228600">
-                <a:defRPr>
-                  <a:solidFill>
-                    <a:schemeClr val="tx1"/>
-                  </a:solidFill>
-                  <a:latin typeface="Calibri" panose="020F0502020204030204" pitchFamily="34" charset="0"/>
-                </a:defRPr>
-              </a:lvl4pPr>
-              <a:lvl5pPr marL="2057400" indent="-228600">
-                <a:defRPr>
-                  <a:solidFill>
-                    <a:schemeClr val="tx1"/>
-                  </a:solidFill>
-                  <a:latin typeface="Calibri" panose="020F0502020204030204" pitchFamily="34" charset="0"/>
-                </a:defRPr>
-              </a:lvl5pPr>
-              <a:lvl6pPr marL="2514600" indent="-228600" eaLnBrk="0" fontAlgn="base" hangingPunct="0">
-                <a:spcBef>
-                  <a:spcPct val="0"/>
-                </a:spcBef>
-                <a:spcAft>
-                  <a:spcPct val="0"/>
-                </a:spcAft>
-                <a:defRPr>
-                  <a:solidFill>
-                    <a:schemeClr val="tx1"/>
-                  </a:solidFill>
-                  <a:latin typeface="Calibri" panose="020F0502020204030204" pitchFamily="34" charset="0"/>
-                </a:defRPr>
-              </a:lvl6pPr>
-              <a:lvl7pPr marL="2971800" indent="-228600" eaLnBrk="0" fontAlgn="base" hangingPunct="0">
-                <a:spcBef>
-                  <a:spcPct val="0"/>
-                </a:spcBef>
-                <a:spcAft>
-                  <a:spcPct val="0"/>
-                </a:spcAft>
-                <a:defRPr>
-                  <a:solidFill>
-                    <a:schemeClr val="tx1"/>
-                  </a:solidFill>
-                  <a:latin typeface="Calibri" panose="020F0502020204030204" pitchFamily="34" charset="0"/>
-                </a:defRPr>
-              </a:lvl7pPr>
-              <a:lvl8pPr marL="3429000" indent="-228600" eaLnBrk="0" fontAlgn="base" hangingPunct="0">
-                <a:spcBef>
-                  <a:spcPct val="0"/>
-                </a:spcBef>
-                <a:spcAft>
-                  <a:spcPct val="0"/>
-                </a:spcAft>
-                <a:defRPr>
-                  <a:solidFill>
-                    <a:schemeClr val="tx1"/>
-                  </a:solidFill>
-                  <a:latin typeface="Calibri" panose="020F0502020204030204" pitchFamily="34" charset="0"/>
-                </a:defRPr>
-              </a:lvl8pPr>
-              <a:lvl9pPr marL="3886200" indent="-228600" eaLnBrk="0" fontAlgn="base" hangingPunct="0">
-                <a:spcBef>
-                  <a:spcPct val="0"/>
-                </a:spcBef>
-                <a:spcAft>
-                  <a:spcPct val="0"/>
-                </a:spcAft>
-                <a:defRPr>
-                  <a:solidFill>
-                    <a:schemeClr val="tx1"/>
-                  </a:solidFill>
-                  <a:latin typeface="Calibri" panose="020F0502020204030204" pitchFamily="34" charset="0"/>
-                </a:defRPr>
-              </a:lvl9pPr>
-            </a:lstStyle>
-            <a:p>
-              <a:pPr algn="ctr" eaLnBrk="1" hangingPunct="1"/>
-              <a:r>
-                <a:rPr lang="en-US" altLang="en-US" sz="1200" dirty="0">
-                  <a:latin typeface="Arial" panose="020B0604020202020204" pitchFamily="34" charset="0"/>
-                  <a:ea typeface="Amazon Ember" panose="020B0603020204020204" pitchFamily="34" charset="0"/>
-                  <a:cs typeface="Arial" panose="020B0604020202020204" pitchFamily="34" charset="0"/>
-                </a:rPr>
-                <a:t>Attached</a:t>
-              </a:r>
-            </a:p>
-          </p:txBody>
-        </p:sp>
-      </p:grpSp>
-      <p:grpSp>
-        <p:nvGrpSpPr>
-          <p:cNvPr id="16" name="Group 15">
-            <a:extLst>
-              <a:ext uri="{FF2B5EF4-FFF2-40B4-BE49-F238E27FC236}">
-                <a16:creationId xmlns:a16="http://schemas.microsoft.com/office/drawing/2014/main" id="{A31B39AA-9183-FB49-8C49-7521DB03F83D}"/>
+          <p:cNvPr id="24" name="Group 23">
+            <a:extLst>
+              <a:ext uri="{FF2B5EF4-FFF2-40B4-BE49-F238E27FC236}">
+                <a16:creationId xmlns:a16="http://schemas.microsoft.com/office/drawing/2014/main" id="{F94916F8-3CAB-F647-BDCB-A38419060066}"/>
               </a:ext>
             </a:extLst>
           </p:cNvPr>
@@ -9556,258 +9338,17 @@
         <p:grpSpPr>
           <a:xfrm>
             <a:off x="5900318" y="5423208"/>
-            <a:ext cx="1506537" cy="875723"/>
-            <a:chOff x="2271723" y="5231660"/>
-            <a:chExt cx="1506537" cy="875723"/>
-          </a:xfrm>
-        </p:grpSpPr>
-        <p:pic>
-          <p:nvPicPr>
-            <p:cNvPr id="17" name="Graphic 49">
-              <a:extLst>
-                <a:ext uri="{FF2B5EF4-FFF2-40B4-BE49-F238E27FC236}">
-                  <a16:creationId xmlns:a16="http://schemas.microsoft.com/office/drawing/2014/main" id="{F0F7E82F-2ABA-C842-A187-366FBE46B470}"/>
-                </a:ext>
-              </a:extLst>
-            </p:cNvPr>
-            <p:cNvPicPr>
-              <a:picLocks noChangeAspect="1" noChangeArrowheads="1"/>
-            </p:cNvPicPr>
-            <p:nvPr/>
-          </p:nvPicPr>
-          <p:blipFill>
-            <a:blip r:embed="rId8">
-              <a:extLst>
-                <a:ext uri="{28A0092B-C50C-407E-A947-70E740481C1C}">
-                  <a14:useLocalDpi xmlns:a14="http://schemas.microsoft.com/office/drawing/2010/main" val="0"/>
-                </a:ext>
-              </a:extLst>
-            </a:blip>
-            <a:srcRect/>
-            <a:stretch>
-              <a:fillRect/>
-            </a:stretch>
-          </p:blipFill>
-          <p:spPr bwMode="auto">
-            <a:xfrm>
-              <a:off x="2689709" y="5231660"/>
-              <a:ext cx="655315" cy="655315"/>
-            </a:xfrm>
-            <a:prstGeom prst="rect">
-              <a:avLst/>
-            </a:prstGeom>
-            <a:noFill/>
-            <a:ln>
-              <a:noFill/>
-            </a:ln>
-            <a:extLst>
-              <a:ext uri="{909E8E84-426E-40DD-AFC4-6F175D3DCCD1}">
-                <a14:hiddenFill xmlns:a14="http://schemas.microsoft.com/office/drawing/2010/main">
-                  <a:solidFill>
-                    <a:srgbClr val="FFFFFF"/>
-                  </a:solidFill>
-                </a14:hiddenFill>
-              </a:ext>
-              <a:ext uri="{91240B29-F687-4F45-9708-019B960494DF}">
-                <a14:hiddenLine xmlns:a14="http://schemas.microsoft.com/office/drawing/2010/main" w="9525">
-                  <a:solidFill>
-                    <a:srgbClr val="000000"/>
-                  </a:solidFill>
-                  <a:miter lim="800000"/>
-                  <a:headEnd/>
-                  <a:tailEnd/>
-                </a14:hiddenLine>
-              </a:ext>
-            </a:extLst>
-          </p:spPr>
-        </p:pic>
-        <p:sp>
-          <p:nvSpPr>
-            <p:cNvPr id="18" name="TextBox 18">
-              <a:extLst>
-                <a:ext uri="{FF2B5EF4-FFF2-40B4-BE49-F238E27FC236}">
-                  <a16:creationId xmlns:a16="http://schemas.microsoft.com/office/drawing/2014/main" id="{62FAC765-8F55-5B40-9940-C7FD1F9D115F}"/>
-                </a:ext>
-              </a:extLst>
-            </p:cNvPr>
-            <p:cNvSpPr txBox="1">
-              <a:spLocks noChangeArrowheads="1"/>
-            </p:cNvSpPr>
-            <p:nvPr/>
-          </p:nvSpPr>
-          <p:spPr bwMode="auto">
-            <a:xfrm>
-              <a:off x="2271723" y="5799606"/>
-              <a:ext cx="1506537" cy="307777"/>
-            </a:xfrm>
-            <a:prstGeom prst="rect">
-              <a:avLst/>
-            </a:prstGeom>
-            <a:noFill/>
-            <a:ln>
-              <a:noFill/>
-            </a:ln>
-            <a:extLst>
-              <a:ext uri="{909E8E84-426E-40DD-AFC4-6F175D3DCCD1}">
-                <a14:hiddenFill xmlns:a14="http://schemas.microsoft.com/office/drawing/2010/main">
-                  <a:solidFill>
-                    <a:srgbClr val="FFFFFF"/>
-                  </a:solidFill>
-                </a14:hiddenFill>
-              </a:ext>
-              <a:ext uri="{91240B29-F687-4F45-9708-019B960494DF}">
-                <a14:hiddenLine xmlns:a14="http://schemas.microsoft.com/office/drawing/2010/main" w="9525">
-                  <a:solidFill>
-                    <a:srgbClr val="000000"/>
-                  </a:solidFill>
-                  <a:miter lim="800000"/>
-                  <a:headEnd/>
-                  <a:tailEnd/>
-                </a14:hiddenLine>
-              </a:ext>
-            </a:extLst>
-          </p:spPr>
-          <p:txBody>
-            <a:bodyPr>
-              <a:spAutoFit/>
-            </a:bodyPr>
-            <a:lstStyle>
-              <a:lvl1pPr>
-                <a:defRPr>
-                  <a:solidFill>
-                    <a:schemeClr val="tx1"/>
-                  </a:solidFill>
-                  <a:latin typeface="Calibri" panose="020F0502020204030204" pitchFamily="34" charset="0"/>
-                </a:defRPr>
-              </a:lvl1pPr>
-              <a:lvl2pPr marL="742950" indent="-285750">
-                <a:defRPr>
-                  <a:solidFill>
-                    <a:schemeClr val="tx1"/>
-                  </a:solidFill>
-                  <a:latin typeface="Calibri" panose="020F0502020204030204" pitchFamily="34" charset="0"/>
-                </a:defRPr>
-              </a:lvl2pPr>
-              <a:lvl3pPr marL="1143000" indent="-228600">
-                <a:defRPr>
-                  <a:solidFill>
-                    <a:schemeClr val="tx1"/>
-                  </a:solidFill>
-                  <a:latin typeface="Calibri" panose="020F0502020204030204" pitchFamily="34" charset="0"/>
-                </a:defRPr>
-              </a:lvl3pPr>
-              <a:lvl4pPr marL="1600200" indent="-228600">
-                <a:defRPr>
-                  <a:solidFill>
-                    <a:schemeClr val="tx1"/>
-                  </a:solidFill>
-                  <a:latin typeface="Calibri" panose="020F0502020204030204" pitchFamily="34" charset="0"/>
-                </a:defRPr>
-              </a:lvl4pPr>
-              <a:lvl5pPr marL="2057400" indent="-228600">
-                <a:defRPr>
-                  <a:solidFill>
-                    <a:schemeClr val="tx1"/>
-                  </a:solidFill>
-                  <a:latin typeface="Calibri" panose="020F0502020204030204" pitchFamily="34" charset="0"/>
-                </a:defRPr>
-              </a:lvl5pPr>
-              <a:lvl6pPr marL="2514600" indent="-228600" eaLnBrk="0" fontAlgn="base" hangingPunct="0">
-                <a:spcBef>
-                  <a:spcPct val="0"/>
-                </a:spcBef>
-                <a:spcAft>
-                  <a:spcPct val="0"/>
-                </a:spcAft>
-                <a:defRPr>
-                  <a:solidFill>
-                    <a:schemeClr val="tx1"/>
-                  </a:solidFill>
-                  <a:latin typeface="Calibri" panose="020F0502020204030204" pitchFamily="34" charset="0"/>
-                </a:defRPr>
-              </a:lvl6pPr>
-              <a:lvl7pPr marL="2971800" indent="-228600" eaLnBrk="0" fontAlgn="base" hangingPunct="0">
-                <a:spcBef>
-                  <a:spcPct val="0"/>
-                </a:spcBef>
-                <a:spcAft>
-                  <a:spcPct val="0"/>
-                </a:spcAft>
-                <a:defRPr>
-                  <a:solidFill>
-                    <a:schemeClr val="tx1"/>
-                  </a:solidFill>
-                  <a:latin typeface="Calibri" panose="020F0502020204030204" pitchFamily="34" charset="0"/>
-                </a:defRPr>
-              </a:lvl7pPr>
-              <a:lvl8pPr marL="3429000" indent="-228600" eaLnBrk="0" fontAlgn="base" hangingPunct="0">
-                <a:spcBef>
-                  <a:spcPct val="0"/>
-                </a:spcBef>
-                <a:spcAft>
-                  <a:spcPct val="0"/>
-                </a:spcAft>
-                <a:defRPr>
-                  <a:solidFill>
-                    <a:schemeClr val="tx1"/>
-                  </a:solidFill>
-                  <a:latin typeface="Calibri" panose="020F0502020204030204" pitchFamily="34" charset="0"/>
-                </a:defRPr>
-              </a:lvl8pPr>
-              <a:lvl9pPr marL="3886200" indent="-228600" eaLnBrk="0" fontAlgn="base" hangingPunct="0">
-                <a:spcBef>
-                  <a:spcPct val="0"/>
-                </a:spcBef>
-                <a:spcAft>
-                  <a:spcPct val="0"/>
-                </a:spcAft>
-                <a:defRPr>
-                  <a:solidFill>
-                    <a:schemeClr val="tx1"/>
-                  </a:solidFill>
-                  <a:latin typeface="Calibri" panose="020F0502020204030204" pitchFamily="34" charset="0"/>
-                </a:defRPr>
-              </a:lvl9pPr>
-            </a:lstStyle>
-            <a:p>
-              <a:pPr algn="ctr" eaLnBrk="1" hangingPunct="1"/>
-              <a:r>
-                <a:rPr lang="en-US" altLang="en-US" sz="1400" dirty="0">
-                  <a:latin typeface="Arial" panose="020B0604020202020204" pitchFamily="34" charset="0"/>
-                  <a:cs typeface="Arial" panose="020B0604020202020204" pitchFamily="34" charset="0"/>
-                </a:rPr>
-                <a:t>IAM Role</a:t>
-              </a:r>
-            </a:p>
-          </p:txBody>
-        </p:sp>
-      </p:grpSp>
-      <p:grpSp>
-        <p:nvGrpSpPr>
-          <p:cNvPr id="20" name="Group 19">
-            <a:extLst>
-              <a:ext uri="{FF2B5EF4-FFF2-40B4-BE49-F238E27FC236}">
-                <a16:creationId xmlns:a16="http://schemas.microsoft.com/office/drawing/2014/main" id="{1743C810-ADBB-9F49-8986-7D06A6E853FA}"/>
-              </a:ext>
-            </a:extLst>
-          </p:cNvPr>
-          <p:cNvGrpSpPr/>
-          <p:nvPr/>
-        </p:nvGrpSpPr>
-        <p:grpSpPr>
-          <a:xfrm>
-            <a:off x="8066013" y="5445688"/>
-            <a:ext cx="1221042" cy="859184"/>
-            <a:chOff x="7943865" y="5276740"/>
-            <a:chExt cx="1221042" cy="859184"/>
+            <a:ext cx="3386737" cy="881664"/>
+            <a:chOff x="5900318" y="5423208"/>
+            <a:chExt cx="3386737" cy="881664"/>
           </a:xfrm>
         </p:grpSpPr>
         <p:grpSp>
           <p:nvGrpSpPr>
-            <p:cNvPr id="10" name="Group 9">
+            <p:cNvPr id="13" name="Group 12">
               <a:extLst>
                 <a:ext uri="{FF2B5EF4-FFF2-40B4-BE49-F238E27FC236}">
-                  <a16:creationId xmlns:a16="http://schemas.microsoft.com/office/drawing/2014/main" id="{394CC918-7863-4149-BE70-D3B122C3D9F3}"/>
+                  <a16:creationId xmlns:a16="http://schemas.microsoft.com/office/drawing/2014/main" id="{9B04C4B7-9823-D54F-B0F7-AE407E5858EB}"/>
                 </a:ext>
               </a:extLst>
             </p:cNvPr>
@@ -9816,78 +9357,65 @@
           </p:nvGrpSpPr>
           <p:grpSpPr>
             <a:xfrm>
-              <a:off x="7943865" y="5329692"/>
-              <a:ext cx="1221042" cy="806232"/>
-              <a:chOff x="5028566" y="3723856"/>
-              <a:chExt cx="1221042" cy="806232"/>
+              <a:off x="6973619" y="5590971"/>
+              <a:ext cx="1383493" cy="276999"/>
+              <a:chOff x="3486503" y="5560195"/>
+              <a:chExt cx="1383493" cy="276999"/>
             </a:xfrm>
           </p:grpSpPr>
-          <p:pic>
-            <p:nvPicPr>
-              <p:cNvPr id="11" name="Graphic 5">
+          <p:cxnSp>
+            <p:nvCxnSpPr>
+              <p:cNvPr id="14" name="Straight Arrow Connector 13">
                 <a:extLst>
                   <a:ext uri="{FF2B5EF4-FFF2-40B4-BE49-F238E27FC236}">
-                    <a16:creationId xmlns:a16="http://schemas.microsoft.com/office/drawing/2014/main" id="{8B9B7F4A-2BEE-734F-AF8E-3F7A722E9BCA}"/>
+                    <a16:creationId xmlns:a16="http://schemas.microsoft.com/office/drawing/2014/main" id="{49AAE12C-08D5-4344-9A90-4C6B66F6C9D1}"/>
                   </a:ext>
                 </a:extLst>
               </p:cNvPr>
-              <p:cNvPicPr>
-                <a:picLocks noChangeAspect="1" noChangeArrowheads="1"/>
-              </p:cNvPicPr>
+              <p:cNvCxnSpPr>
+                <a:cxnSpLocks/>
+                <a:stCxn id="17" idx="3"/>
+                <a:endCxn id="19" idx="1"/>
+              </p:cNvCxnSpPr>
               <p:nvPr/>
-            </p:nvPicPr>
-            <p:blipFill>
-              <a:blip r:embed="rId9">
-                <a:extLst>
-                  <a:ext uri="{28A0092B-C50C-407E-A947-70E740481C1C}">
-                    <a14:useLocalDpi xmlns:a14="http://schemas.microsoft.com/office/drawing/2010/main" val="0"/>
-                  </a:ext>
-                </a:extLst>
-              </a:blip>
-              <a:srcRect/>
-              <a:stretch>
-                <a:fillRect/>
-              </a:stretch>
-            </p:blipFill>
+            </p:nvCxnSpPr>
             <p:spPr bwMode="auto">
-              <a:xfrm>
-                <a:off x="5408776" y="3723856"/>
-                <a:ext cx="461665" cy="461665"/>
+              <a:xfrm flipV="1">
+                <a:off x="3486503" y="5698696"/>
+                <a:ext cx="1383493" cy="21394"/>
               </a:xfrm>
-              <a:prstGeom prst="rect">
+              <a:prstGeom prst="straightConnector1">
                 <a:avLst/>
               </a:prstGeom>
-              <a:noFill/>
-              <a:ln>
-                <a:noFill/>
+              <a:ln w="12700">
+                <a:solidFill>
+                  <a:srgbClr val="545B64"/>
+                </a:solidFill>
+                <a:headEnd type="none" w="med" len="sm"/>
+                <a:tailEnd type="arrow" w="med" len="sm"/>
               </a:ln>
-              <a:extLst>
-                <a:ext uri="{909E8E84-426E-40DD-AFC4-6F175D3DCCD1}">
-                  <a14:hiddenFill xmlns:a14="http://schemas.microsoft.com/office/drawing/2010/main">
-                    <a:solidFill>
-                      <a:srgbClr val="FFFFFF"/>
-                    </a:solidFill>
-                  </a14:hiddenFill>
-                </a:ext>
-                <a:ext uri="{91240B29-F687-4F45-9708-019B960494DF}">
-                  <a14:hiddenLine xmlns:a14="http://schemas.microsoft.com/office/drawing/2010/main" w="9525">
-                    <a:solidFill>
-                      <a:srgbClr val="000000"/>
-                    </a:solidFill>
-                    <a:miter lim="800000"/>
-                    <a:headEnd/>
-                    <a:tailEnd/>
-                  </a14:hiddenLine>
-                </a:ext>
-              </a:extLst>
             </p:spPr>
-          </p:pic>
+            <p:style>
+              <a:lnRef idx="1">
+                <a:schemeClr val="accent1"/>
+              </a:lnRef>
+              <a:fillRef idx="0">
+                <a:schemeClr val="accent1"/>
+              </a:fillRef>
+              <a:effectRef idx="0">
+                <a:schemeClr val="accent1"/>
+              </a:effectRef>
+              <a:fontRef idx="minor">
+                <a:schemeClr val="tx1"/>
+              </a:fontRef>
+            </p:style>
+          </p:cxnSp>
           <p:sp>
             <p:nvSpPr>
-              <p:cNvPr id="12" name="TextBox 6">
+              <p:cNvPr id="15" name="TextBox 6">
                 <a:extLst>
                   <a:ext uri="{FF2B5EF4-FFF2-40B4-BE49-F238E27FC236}">
-                    <a16:creationId xmlns:a16="http://schemas.microsoft.com/office/drawing/2014/main" id="{D3C55486-644F-FC46-AAC4-3D65DA6D4FC9}"/>
+                    <a16:creationId xmlns:a16="http://schemas.microsoft.com/office/drawing/2014/main" id="{FDE3E6AC-D933-DB41-8436-569CAC32A9E7}"/>
                   </a:ext>
                 </a:extLst>
               </p:cNvPr>
@@ -9898,35 +9426,20 @@
             </p:nvSpPr>
             <p:spPr bwMode="auto">
               <a:xfrm>
-                <a:off x="5028566" y="4253089"/>
-                <a:ext cx="1221042" cy="276999"/>
+                <a:off x="3740108" y="5560195"/>
+                <a:ext cx="867807" cy="276999"/>
               </a:xfrm>
               <a:prstGeom prst="rect">
                 <a:avLst/>
               </a:prstGeom>
-              <a:noFill/>
+              <a:solidFill>
+                <a:schemeClr val="bg1"/>
+              </a:solidFill>
               <a:ln>
-                <a:noFill/>
+                <a:solidFill>
+                  <a:srgbClr val="002060"/>
+                </a:solidFill>
               </a:ln>
-              <a:extLst>
-                <a:ext uri="{909E8E84-426E-40DD-AFC4-6F175D3DCCD1}">
-                  <a14:hiddenFill xmlns:a14="http://schemas.microsoft.com/office/drawing/2010/main">
-                    <a:solidFill>
-                      <a:srgbClr val="FFFFFF"/>
-                    </a:solidFill>
-                  </a14:hiddenFill>
-                </a:ext>
-                <a:ext uri="{91240B29-F687-4F45-9708-019B960494DF}">
-                  <a14:hiddenLine xmlns:a14="http://schemas.microsoft.com/office/drawing/2010/main" w="9525">
-                    <a:solidFill>
-                      <a:srgbClr val="000000"/>
-                    </a:solidFill>
-                    <a:miter lim="800000"/>
-                    <a:headEnd/>
-                    <a:tailEnd/>
-                  </a14:hiddenLine>
-                </a:ext>
-              </a:extLst>
             </p:spPr>
             <p:txBody>
               <a:bodyPr wrap="square">
@@ -10038,171 +9551,727 @@
                     <a:ea typeface="Amazon Ember" panose="020B0603020204020204" pitchFamily="34" charset="0"/>
                     <a:cs typeface="Arial" panose="020B0604020202020204" pitchFamily="34" charset="0"/>
                   </a:rPr>
-                  <a:t>EC2</a:t>
+                  <a:t>Attached</a:t>
                 </a:r>
               </a:p>
             </p:txBody>
           </p:sp>
         </p:grpSp>
-        <p:sp>
-          <p:nvSpPr>
-            <p:cNvPr id="19" name="Rectangle 18">
+        <p:grpSp>
+          <p:nvGrpSpPr>
+            <p:cNvPr id="16" name="Group 15">
               <a:extLst>
                 <a:ext uri="{FF2B5EF4-FFF2-40B4-BE49-F238E27FC236}">
-                  <a16:creationId xmlns:a16="http://schemas.microsoft.com/office/drawing/2014/main" id="{3BEA7DA4-95D8-DC4B-8BE0-22118A0CBC1B}"/>
+                  <a16:creationId xmlns:a16="http://schemas.microsoft.com/office/drawing/2014/main" id="{A31B39AA-9183-FB49-8C49-7521DB03F83D}"/>
                 </a:ext>
               </a:extLst>
             </p:cNvPr>
-            <p:cNvSpPr/>
+            <p:cNvGrpSpPr/>
             <p:nvPr/>
-          </p:nvSpPr>
-          <p:spPr>
+          </p:nvGrpSpPr>
+          <p:grpSpPr>
             <a:xfrm>
-              <a:off x="8234964" y="5276740"/>
-              <a:ext cx="638844" cy="567567"/>
+              <a:off x="5900318" y="5423208"/>
+              <a:ext cx="1506537" cy="875723"/>
+              <a:chOff x="2271723" y="5231660"/>
+              <a:chExt cx="1506537" cy="875723"/>
             </a:xfrm>
-            <a:custGeom>
-              <a:avLst/>
-              <a:gdLst>
-                <a:gd name="connsiteX0" fmla="*/ 0 w 638844"/>
-                <a:gd name="connsiteY0" fmla="*/ 0 h 567567"/>
-                <a:gd name="connsiteX1" fmla="*/ 313034 w 638844"/>
-                <a:gd name="connsiteY1" fmla="*/ 0 h 567567"/>
-                <a:gd name="connsiteX2" fmla="*/ 638844 w 638844"/>
-                <a:gd name="connsiteY2" fmla="*/ 0 h 567567"/>
-                <a:gd name="connsiteX3" fmla="*/ 638844 w 638844"/>
-                <a:gd name="connsiteY3" fmla="*/ 567567 h 567567"/>
-                <a:gd name="connsiteX4" fmla="*/ 319422 w 638844"/>
-                <a:gd name="connsiteY4" fmla="*/ 567567 h 567567"/>
-                <a:gd name="connsiteX5" fmla="*/ 0 w 638844"/>
-                <a:gd name="connsiteY5" fmla="*/ 567567 h 567567"/>
-                <a:gd name="connsiteX6" fmla="*/ 0 w 638844"/>
-                <a:gd name="connsiteY6" fmla="*/ 0 h 567567"/>
-              </a:gdLst>
-              <a:ahLst/>
-              <a:cxnLst>
-                <a:cxn ang="0">
-                  <a:pos x="connsiteX0" y="connsiteY0"/>
-                </a:cxn>
-                <a:cxn ang="0">
-                  <a:pos x="connsiteX1" y="connsiteY1"/>
-                </a:cxn>
-                <a:cxn ang="0">
-                  <a:pos x="connsiteX2" y="connsiteY2"/>
-                </a:cxn>
-                <a:cxn ang="0">
-                  <a:pos x="connsiteX3" y="connsiteY3"/>
-                </a:cxn>
-                <a:cxn ang="0">
-                  <a:pos x="connsiteX4" y="connsiteY4"/>
-                </a:cxn>
-                <a:cxn ang="0">
-                  <a:pos x="connsiteX5" y="connsiteY5"/>
-                </a:cxn>
-                <a:cxn ang="0">
-                  <a:pos x="connsiteX6" y="connsiteY6"/>
-                </a:cxn>
-              </a:cxnLst>
-              <a:rect l="l" t="t" r="r" b="b"/>
-              <a:pathLst>
-                <a:path w="638844" h="567567" extrusionOk="0">
-                  <a:moveTo>
-                    <a:pt x="0" y="0"/>
-                  </a:moveTo>
-                  <a:cubicBezTo>
-                    <a:pt x="107049" y="-28643"/>
-                    <a:pt x="224731" y="11647"/>
-                    <a:pt x="313034" y="0"/>
-                  </a:cubicBezTo>
-                  <a:cubicBezTo>
-                    <a:pt x="401337" y="-11647"/>
-                    <a:pt x="516714" y="9270"/>
-                    <a:pt x="638844" y="0"/>
-                  </a:cubicBezTo>
-                  <a:cubicBezTo>
-                    <a:pt x="659893" y="261996"/>
-                    <a:pt x="605218" y="393178"/>
-                    <a:pt x="638844" y="567567"/>
-                  </a:cubicBezTo>
-                  <a:cubicBezTo>
-                    <a:pt x="521824" y="586611"/>
-                    <a:pt x="470246" y="548380"/>
-                    <a:pt x="319422" y="567567"/>
-                  </a:cubicBezTo>
-                  <a:cubicBezTo>
-                    <a:pt x="168598" y="586754"/>
-                    <a:pt x="137700" y="550918"/>
-                    <a:pt x="0" y="567567"/>
-                  </a:cubicBezTo>
-                  <a:cubicBezTo>
-                    <a:pt x="-23016" y="445131"/>
-                    <a:pt x="23133" y="240945"/>
-                    <a:pt x="0" y="0"/>
-                  </a:cubicBezTo>
-                  <a:close/>
-                </a:path>
-              </a:pathLst>
-            </a:custGeom>
-            <a:noFill/>
-            <a:ln w="19050">
-              <a:solidFill>
-                <a:srgbClr val="002060"/>
-              </a:solidFill>
-              <a:prstDash val="dash"/>
+          </p:grpSpPr>
+          <p:pic>
+            <p:nvPicPr>
+              <p:cNvPr id="17" name="Graphic 49">
+                <a:extLst>
+                  <a:ext uri="{FF2B5EF4-FFF2-40B4-BE49-F238E27FC236}">
+                    <a16:creationId xmlns:a16="http://schemas.microsoft.com/office/drawing/2014/main" id="{F0F7E82F-2ABA-C842-A187-366FBE46B470}"/>
+                  </a:ext>
+                </a:extLst>
+              </p:cNvPr>
+              <p:cNvPicPr>
+                <a:picLocks noChangeAspect="1" noChangeArrowheads="1"/>
+              </p:cNvPicPr>
+              <p:nvPr/>
+            </p:nvPicPr>
+            <p:blipFill>
+              <a:blip r:embed="rId8">
+                <a:extLst>
+                  <a:ext uri="{28A0092B-C50C-407E-A947-70E740481C1C}">
+                    <a14:useLocalDpi xmlns:a14="http://schemas.microsoft.com/office/drawing/2010/main" val="0"/>
+                  </a:ext>
+                </a:extLst>
+              </a:blip>
+              <a:srcRect/>
+              <a:stretch>
+                <a:fillRect/>
+              </a:stretch>
+            </p:blipFill>
+            <p:spPr bwMode="auto">
+              <a:xfrm>
+                <a:off x="2689709" y="5231660"/>
+                <a:ext cx="655315" cy="655315"/>
+              </a:xfrm>
+              <a:prstGeom prst="rect">
+                <a:avLst/>
+              </a:prstGeom>
+              <a:noFill/>
+              <a:ln>
+                <a:noFill/>
+              </a:ln>
               <a:extLst>
-                <a:ext uri="{C807C97D-BFC1-408E-A445-0C87EB9F89A2}">
-                  <ask:lineSketchStyleProps xmlns:ask="http://schemas.microsoft.com/office/drawing/2018/sketchyshapes" sd="1219033472">
-                    <a:prstGeom prst="rect">
-                      <a:avLst/>
-                    </a:prstGeom>
-                    <ask:type>
-                      <ask:lineSketchScribble/>
-                    </ask:type>
-                  </ask:lineSketchStyleProps>
+                <a:ext uri="{909E8E84-426E-40DD-AFC4-6F175D3DCCD1}">
+                  <a14:hiddenFill xmlns:a14="http://schemas.microsoft.com/office/drawing/2010/main">
+                    <a:solidFill>
+                      <a:srgbClr val="FFFFFF"/>
+                    </a:solidFill>
+                  </a14:hiddenFill>
+                </a:ext>
+                <a:ext uri="{91240B29-F687-4F45-9708-019B960494DF}">
+                  <a14:hiddenLine xmlns:a14="http://schemas.microsoft.com/office/drawing/2010/main" w="9525">
+                    <a:solidFill>
+                      <a:srgbClr val="000000"/>
+                    </a:solidFill>
+                    <a:miter lim="800000"/>
+                    <a:headEnd/>
+                    <a:tailEnd/>
+                  </a14:hiddenLine>
                 </a:ext>
               </a:extLst>
-            </a:ln>
-          </p:spPr>
-          <p:style>
-            <a:lnRef idx="2">
-              <a:schemeClr val="accent1">
-                <a:shade val="50000"/>
-              </a:schemeClr>
-            </a:lnRef>
-            <a:fillRef idx="1">
-              <a:schemeClr val="accent1"/>
-            </a:fillRef>
-            <a:effectRef idx="0">
-              <a:schemeClr val="accent1"/>
-            </a:effectRef>
-            <a:fontRef idx="minor">
-              <a:schemeClr val="lt1"/>
-            </a:fontRef>
-          </p:style>
-          <p:txBody>
-            <a:bodyPr tIns="91440" anchorCtr="1"/>
-            <a:lstStyle/>
-            <a:p>
-              <a:pPr algn="ctr" eaLnBrk="1" fontAlgn="auto" hangingPunct="1">
-                <a:spcBef>
-                  <a:spcPts val="0"/>
-                </a:spcBef>
-                <a:spcAft>
-                  <a:spcPts val="0"/>
-                </a:spcAft>
-                <a:defRPr/>
-              </a:pPr>
-              <a:endParaRPr lang="en-US" sz="1000" dirty="0">
+            </p:spPr>
+          </p:pic>
+          <p:sp>
+            <p:nvSpPr>
+              <p:cNvPr id="18" name="TextBox 18">
+                <a:extLst>
+                  <a:ext uri="{FF2B5EF4-FFF2-40B4-BE49-F238E27FC236}">
+                    <a16:creationId xmlns:a16="http://schemas.microsoft.com/office/drawing/2014/main" id="{62FAC765-8F55-5B40-9940-C7FD1F9D115F}"/>
+                  </a:ext>
+                </a:extLst>
+              </p:cNvPr>
+              <p:cNvSpPr txBox="1">
+                <a:spLocks noChangeArrowheads="1"/>
+              </p:cNvSpPr>
+              <p:nvPr/>
+            </p:nvSpPr>
+            <p:spPr bwMode="auto">
+              <a:xfrm>
+                <a:off x="2271723" y="5799606"/>
+                <a:ext cx="1506537" cy="307777"/>
+              </a:xfrm>
+              <a:prstGeom prst="rect">
+                <a:avLst/>
+              </a:prstGeom>
+              <a:noFill/>
+              <a:ln>
+                <a:noFill/>
+              </a:ln>
+              <a:extLst>
+                <a:ext uri="{909E8E84-426E-40DD-AFC4-6F175D3DCCD1}">
+                  <a14:hiddenFill xmlns:a14="http://schemas.microsoft.com/office/drawing/2010/main">
+                    <a:solidFill>
+                      <a:srgbClr val="FFFFFF"/>
+                    </a:solidFill>
+                  </a14:hiddenFill>
+                </a:ext>
+                <a:ext uri="{91240B29-F687-4F45-9708-019B960494DF}">
+                  <a14:hiddenLine xmlns:a14="http://schemas.microsoft.com/office/drawing/2010/main" w="9525">
+                    <a:solidFill>
+                      <a:srgbClr val="000000"/>
+                    </a:solidFill>
+                    <a:miter lim="800000"/>
+                    <a:headEnd/>
+                    <a:tailEnd/>
+                  </a14:hiddenLine>
+                </a:ext>
+              </a:extLst>
+            </p:spPr>
+            <p:txBody>
+              <a:bodyPr>
+                <a:spAutoFit/>
+              </a:bodyPr>
+              <a:lstStyle>
+                <a:lvl1pPr>
+                  <a:defRPr>
+                    <a:solidFill>
+                      <a:schemeClr val="tx1"/>
+                    </a:solidFill>
+                    <a:latin typeface="Calibri" panose="020F0502020204030204" pitchFamily="34" charset="0"/>
+                  </a:defRPr>
+                </a:lvl1pPr>
+                <a:lvl2pPr marL="742950" indent="-285750">
+                  <a:defRPr>
+                    <a:solidFill>
+                      <a:schemeClr val="tx1"/>
+                    </a:solidFill>
+                    <a:latin typeface="Calibri" panose="020F0502020204030204" pitchFamily="34" charset="0"/>
+                  </a:defRPr>
+                </a:lvl2pPr>
+                <a:lvl3pPr marL="1143000" indent="-228600">
+                  <a:defRPr>
+                    <a:solidFill>
+                      <a:schemeClr val="tx1"/>
+                    </a:solidFill>
+                    <a:latin typeface="Calibri" panose="020F0502020204030204" pitchFamily="34" charset="0"/>
+                  </a:defRPr>
+                </a:lvl3pPr>
+                <a:lvl4pPr marL="1600200" indent="-228600">
+                  <a:defRPr>
+                    <a:solidFill>
+                      <a:schemeClr val="tx1"/>
+                    </a:solidFill>
+                    <a:latin typeface="Calibri" panose="020F0502020204030204" pitchFamily="34" charset="0"/>
+                  </a:defRPr>
+                </a:lvl4pPr>
+                <a:lvl5pPr marL="2057400" indent="-228600">
+                  <a:defRPr>
+                    <a:solidFill>
+                      <a:schemeClr val="tx1"/>
+                    </a:solidFill>
+                    <a:latin typeface="Calibri" panose="020F0502020204030204" pitchFamily="34" charset="0"/>
+                  </a:defRPr>
+                </a:lvl5pPr>
+                <a:lvl6pPr marL="2514600" indent="-228600" eaLnBrk="0" fontAlgn="base" hangingPunct="0">
+                  <a:spcBef>
+                    <a:spcPct val="0"/>
+                  </a:spcBef>
+                  <a:spcAft>
+                    <a:spcPct val="0"/>
+                  </a:spcAft>
+                  <a:defRPr>
+                    <a:solidFill>
+                      <a:schemeClr val="tx1"/>
+                    </a:solidFill>
+                    <a:latin typeface="Calibri" panose="020F0502020204030204" pitchFamily="34" charset="0"/>
+                  </a:defRPr>
+                </a:lvl6pPr>
+                <a:lvl7pPr marL="2971800" indent="-228600" eaLnBrk="0" fontAlgn="base" hangingPunct="0">
+                  <a:spcBef>
+                    <a:spcPct val="0"/>
+                  </a:spcBef>
+                  <a:spcAft>
+                    <a:spcPct val="0"/>
+                  </a:spcAft>
+                  <a:defRPr>
+                    <a:solidFill>
+                      <a:schemeClr val="tx1"/>
+                    </a:solidFill>
+                    <a:latin typeface="Calibri" panose="020F0502020204030204" pitchFamily="34" charset="0"/>
+                  </a:defRPr>
+                </a:lvl7pPr>
+                <a:lvl8pPr marL="3429000" indent="-228600" eaLnBrk="0" fontAlgn="base" hangingPunct="0">
+                  <a:spcBef>
+                    <a:spcPct val="0"/>
+                  </a:spcBef>
+                  <a:spcAft>
+                    <a:spcPct val="0"/>
+                  </a:spcAft>
+                  <a:defRPr>
+                    <a:solidFill>
+                      <a:schemeClr val="tx1"/>
+                    </a:solidFill>
+                    <a:latin typeface="Calibri" panose="020F0502020204030204" pitchFamily="34" charset="0"/>
+                  </a:defRPr>
+                </a:lvl8pPr>
+                <a:lvl9pPr marL="3886200" indent="-228600" eaLnBrk="0" fontAlgn="base" hangingPunct="0">
+                  <a:spcBef>
+                    <a:spcPct val="0"/>
+                  </a:spcBef>
+                  <a:spcAft>
+                    <a:spcPct val="0"/>
+                  </a:spcAft>
+                  <a:defRPr>
+                    <a:solidFill>
+                      <a:schemeClr val="tx1"/>
+                    </a:solidFill>
+                    <a:latin typeface="Calibri" panose="020F0502020204030204" pitchFamily="34" charset="0"/>
+                  </a:defRPr>
+                </a:lvl9pPr>
+              </a:lstStyle>
+              <a:p>
+                <a:pPr algn="ctr" eaLnBrk="1" hangingPunct="1"/>
+                <a:r>
+                  <a:rPr lang="en-US" altLang="en-US" sz="1400" dirty="0">
+                    <a:latin typeface="Arial" panose="020B0604020202020204" pitchFamily="34" charset="0"/>
+                    <a:cs typeface="Arial" panose="020B0604020202020204" pitchFamily="34" charset="0"/>
+                  </a:rPr>
+                  <a:t>IAM Role</a:t>
+                </a:r>
+              </a:p>
+            </p:txBody>
+          </p:sp>
+        </p:grpSp>
+        <p:grpSp>
+          <p:nvGrpSpPr>
+            <p:cNvPr id="20" name="Group 19">
+              <a:extLst>
+                <a:ext uri="{FF2B5EF4-FFF2-40B4-BE49-F238E27FC236}">
+                  <a16:creationId xmlns:a16="http://schemas.microsoft.com/office/drawing/2014/main" id="{1743C810-ADBB-9F49-8986-7D06A6E853FA}"/>
+                </a:ext>
+              </a:extLst>
+            </p:cNvPr>
+            <p:cNvGrpSpPr/>
+            <p:nvPr/>
+          </p:nvGrpSpPr>
+          <p:grpSpPr>
+            <a:xfrm>
+              <a:off x="8066013" y="5445688"/>
+              <a:ext cx="1221042" cy="859184"/>
+              <a:chOff x="7943865" y="5276740"/>
+              <a:chExt cx="1221042" cy="859184"/>
+            </a:xfrm>
+          </p:grpSpPr>
+          <p:grpSp>
+            <p:nvGrpSpPr>
+              <p:cNvPr id="10" name="Group 9">
+                <a:extLst>
+                  <a:ext uri="{FF2B5EF4-FFF2-40B4-BE49-F238E27FC236}">
+                    <a16:creationId xmlns:a16="http://schemas.microsoft.com/office/drawing/2014/main" id="{394CC918-7863-4149-BE70-D3B122C3D9F3}"/>
+                  </a:ext>
+                </a:extLst>
+              </p:cNvPr>
+              <p:cNvGrpSpPr/>
+              <p:nvPr/>
+            </p:nvGrpSpPr>
+            <p:grpSpPr>
+              <a:xfrm>
+                <a:off x="7943865" y="5329692"/>
+                <a:ext cx="1221042" cy="806232"/>
+                <a:chOff x="5028566" y="3723856"/>
+                <a:chExt cx="1221042" cy="806232"/>
+              </a:xfrm>
+            </p:grpSpPr>
+            <p:pic>
+              <p:nvPicPr>
+                <p:cNvPr id="11" name="Graphic 5">
+                  <a:extLst>
+                    <a:ext uri="{FF2B5EF4-FFF2-40B4-BE49-F238E27FC236}">
+                      <a16:creationId xmlns:a16="http://schemas.microsoft.com/office/drawing/2014/main" id="{8B9B7F4A-2BEE-734F-AF8E-3F7A722E9BCA}"/>
+                    </a:ext>
+                  </a:extLst>
+                </p:cNvPr>
+                <p:cNvPicPr>
+                  <a:picLocks noChangeAspect="1" noChangeArrowheads="1"/>
+                </p:cNvPicPr>
+                <p:nvPr/>
+              </p:nvPicPr>
+              <p:blipFill>
+                <a:blip r:embed="rId9">
+                  <a:extLst>
+                    <a:ext uri="{28A0092B-C50C-407E-A947-70E740481C1C}">
+                      <a14:useLocalDpi xmlns:a14="http://schemas.microsoft.com/office/drawing/2010/main" val="0"/>
+                    </a:ext>
+                  </a:extLst>
+                </a:blip>
+                <a:srcRect/>
+                <a:stretch>
+                  <a:fillRect/>
+                </a:stretch>
+              </p:blipFill>
+              <p:spPr bwMode="auto">
+                <a:xfrm>
+                  <a:off x="5408776" y="3723856"/>
+                  <a:ext cx="461665" cy="461665"/>
+                </a:xfrm>
+                <a:prstGeom prst="rect">
+                  <a:avLst/>
+                </a:prstGeom>
+                <a:noFill/>
+                <a:ln>
+                  <a:noFill/>
+                </a:ln>
+                <a:extLst>
+                  <a:ext uri="{909E8E84-426E-40DD-AFC4-6F175D3DCCD1}">
+                    <a14:hiddenFill xmlns:a14="http://schemas.microsoft.com/office/drawing/2010/main">
+                      <a:solidFill>
+                        <a:srgbClr val="FFFFFF"/>
+                      </a:solidFill>
+                    </a14:hiddenFill>
+                  </a:ext>
+                  <a:ext uri="{91240B29-F687-4F45-9708-019B960494DF}">
+                    <a14:hiddenLine xmlns:a14="http://schemas.microsoft.com/office/drawing/2010/main" w="9525">
+                      <a:solidFill>
+                        <a:srgbClr val="000000"/>
+                      </a:solidFill>
+                      <a:miter lim="800000"/>
+                      <a:headEnd/>
+                      <a:tailEnd/>
+                    </a14:hiddenLine>
+                  </a:ext>
+                </a:extLst>
+              </p:spPr>
+            </p:pic>
+            <p:sp>
+              <p:nvSpPr>
+                <p:cNvPr id="12" name="TextBox 6">
+                  <a:extLst>
+                    <a:ext uri="{FF2B5EF4-FFF2-40B4-BE49-F238E27FC236}">
+                      <a16:creationId xmlns:a16="http://schemas.microsoft.com/office/drawing/2014/main" id="{D3C55486-644F-FC46-AAC4-3D65DA6D4FC9}"/>
+                    </a:ext>
+                  </a:extLst>
+                </p:cNvPr>
+                <p:cNvSpPr txBox="1">
+                  <a:spLocks noChangeArrowheads="1"/>
+                </p:cNvSpPr>
+                <p:nvPr/>
+              </p:nvSpPr>
+              <p:spPr bwMode="auto">
+                <a:xfrm>
+                  <a:off x="5028566" y="4253089"/>
+                  <a:ext cx="1221042" cy="276999"/>
+                </a:xfrm>
+                <a:prstGeom prst="rect">
+                  <a:avLst/>
+                </a:prstGeom>
+                <a:noFill/>
+                <a:ln>
+                  <a:noFill/>
+                </a:ln>
+                <a:extLst>
+                  <a:ext uri="{909E8E84-426E-40DD-AFC4-6F175D3DCCD1}">
+                    <a14:hiddenFill xmlns:a14="http://schemas.microsoft.com/office/drawing/2010/main">
+                      <a:solidFill>
+                        <a:srgbClr val="FFFFFF"/>
+                      </a:solidFill>
+                    </a14:hiddenFill>
+                  </a:ext>
+                  <a:ext uri="{91240B29-F687-4F45-9708-019B960494DF}">
+                    <a14:hiddenLine xmlns:a14="http://schemas.microsoft.com/office/drawing/2010/main" w="9525">
+                      <a:solidFill>
+                        <a:srgbClr val="000000"/>
+                      </a:solidFill>
+                      <a:miter lim="800000"/>
+                      <a:headEnd/>
+                      <a:tailEnd/>
+                    </a14:hiddenLine>
+                  </a:ext>
+                </a:extLst>
+              </p:spPr>
+              <p:txBody>
+                <a:bodyPr wrap="square">
+                  <a:spAutoFit/>
+                </a:bodyPr>
+                <a:lstStyle>
+                  <a:lvl1pPr>
+                    <a:defRPr>
+                      <a:solidFill>
+                        <a:schemeClr val="tx1"/>
+                      </a:solidFill>
+                      <a:latin typeface="Calibri" panose="020F0502020204030204" pitchFamily="34" charset="0"/>
+                    </a:defRPr>
+                  </a:lvl1pPr>
+                  <a:lvl2pPr marL="742950" indent="-285750">
+                    <a:defRPr>
+                      <a:solidFill>
+                        <a:schemeClr val="tx1"/>
+                      </a:solidFill>
+                      <a:latin typeface="Calibri" panose="020F0502020204030204" pitchFamily="34" charset="0"/>
+                    </a:defRPr>
+                  </a:lvl2pPr>
+                  <a:lvl3pPr marL="1143000" indent="-228600">
+                    <a:defRPr>
+                      <a:solidFill>
+                        <a:schemeClr val="tx1"/>
+                      </a:solidFill>
+                      <a:latin typeface="Calibri" panose="020F0502020204030204" pitchFamily="34" charset="0"/>
+                    </a:defRPr>
+                  </a:lvl3pPr>
+                  <a:lvl4pPr marL="1600200" indent="-228600">
+                    <a:defRPr>
+                      <a:solidFill>
+                        <a:schemeClr val="tx1"/>
+                      </a:solidFill>
+                      <a:latin typeface="Calibri" panose="020F0502020204030204" pitchFamily="34" charset="0"/>
+                    </a:defRPr>
+                  </a:lvl4pPr>
+                  <a:lvl5pPr marL="2057400" indent="-228600">
+                    <a:defRPr>
+                      <a:solidFill>
+                        <a:schemeClr val="tx1"/>
+                      </a:solidFill>
+                      <a:latin typeface="Calibri" panose="020F0502020204030204" pitchFamily="34" charset="0"/>
+                    </a:defRPr>
+                  </a:lvl5pPr>
+                  <a:lvl6pPr marL="2514600" indent="-228600" eaLnBrk="0" fontAlgn="base" hangingPunct="0">
+                    <a:spcBef>
+                      <a:spcPct val="0"/>
+                    </a:spcBef>
+                    <a:spcAft>
+                      <a:spcPct val="0"/>
+                    </a:spcAft>
+                    <a:defRPr>
+                      <a:solidFill>
+                        <a:schemeClr val="tx1"/>
+                      </a:solidFill>
+                      <a:latin typeface="Calibri" panose="020F0502020204030204" pitchFamily="34" charset="0"/>
+                    </a:defRPr>
+                  </a:lvl6pPr>
+                  <a:lvl7pPr marL="2971800" indent="-228600" eaLnBrk="0" fontAlgn="base" hangingPunct="0">
+                    <a:spcBef>
+                      <a:spcPct val="0"/>
+                    </a:spcBef>
+                    <a:spcAft>
+                      <a:spcPct val="0"/>
+                    </a:spcAft>
+                    <a:defRPr>
+                      <a:solidFill>
+                        <a:schemeClr val="tx1"/>
+                      </a:solidFill>
+                      <a:latin typeface="Calibri" panose="020F0502020204030204" pitchFamily="34" charset="0"/>
+                    </a:defRPr>
+                  </a:lvl7pPr>
+                  <a:lvl8pPr marL="3429000" indent="-228600" eaLnBrk="0" fontAlgn="base" hangingPunct="0">
+                    <a:spcBef>
+                      <a:spcPct val="0"/>
+                    </a:spcBef>
+                    <a:spcAft>
+                      <a:spcPct val="0"/>
+                    </a:spcAft>
+                    <a:defRPr>
+                      <a:solidFill>
+                        <a:schemeClr val="tx1"/>
+                      </a:solidFill>
+                      <a:latin typeface="Calibri" panose="020F0502020204030204" pitchFamily="34" charset="0"/>
+                    </a:defRPr>
+                  </a:lvl8pPr>
+                  <a:lvl9pPr marL="3886200" indent="-228600" eaLnBrk="0" fontAlgn="base" hangingPunct="0">
+                    <a:spcBef>
+                      <a:spcPct val="0"/>
+                    </a:spcBef>
+                    <a:spcAft>
+                      <a:spcPct val="0"/>
+                    </a:spcAft>
+                    <a:defRPr>
+                      <a:solidFill>
+                        <a:schemeClr val="tx1"/>
+                      </a:solidFill>
+                      <a:latin typeface="Calibri" panose="020F0502020204030204" pitchFamily="34" charset="0"/>
+                    </a:defRPr>
+                  </a:lvl9pPr>
+                </a:lstStyle>
+                <a:p>
+                  <a:pPr algn="ctr" eaLnBrk="1" hangingPunct="1"/>
+                  <a:r>
+                    <a:rPr lang="en-US" altLang="en-US" sz="1200" dirty="0">
+                      <a:latin typeface="Arial" panose="020B0604020202020204" pitchFamily="34" charset="0"/>
+                      <a:ea typeface="Amazon Ember" panose="020B0603020204020204" pitchFamily="34" charset="0"/>
+                      <a:cs typeface="Arial" panose="020B0604020202020204" pitchFamily="34" charset="0"/>
+                    </a:rPr>
+                    <a:t>EC2</a:t>
+                  </a:r>
+                </a:p>
+              </p:txBody>
+            </p:sp>
+          </p:grpSp>
+          <p:sp>
+            <p:nvSpPr>
+              <p:cNvPr id="19" name="Rectangle 18">
+                <a:extLst>
+                  <a:ext uri="{FF2B5EF4-FFF2-40B4-BE49-F238E27FC236}">
+                    <a16:creationId xmlns:a16="http://schemas.microsoft.com/office/drawing/2014/main" id="{3BEA7DA4-95D8-DC4B-8BE0-22118A0CBC1B}"/>
+                  </a:ext>
+                </a:extLst>
+              </p:cNvPr>
+              <p:cNvSpPr/>
+              <p:nvPr/>
+            </p:nvSpPr>
+            <p:spPr>
+              <a:xfrm>
+                <a:off x="8234964" y="5276740"/>
+                <a:ext cx="638844" cy="567567"/>
+              </a:xfrm>
+              <a:custGeom>
+                <a:avLst/>
+                <a:gdLst>
+                  <a:gd name="connsiteX0" fmla="*/ 0 w 638844"/>
+                  <a:gd name="connsiteY0" fmla="*/ 0 h 567567"/>
+                  <a:gd name="connsiteX1" fmla="*/ 313034 w 638844"/>
+                  <a:gd name="connsiteY1" fmla="*/ 0 h 567567"/>
+                  <a:gd name="connsiteX2" fmla="*/ 638844 w 638844"/>
+                  <a:gd name="connsiteY2" fmla="*/ 0 h 567567"/>
+                  <a:gd name="connsiteX3" fmla="*/ 638844 w 638844"/>
+                  <a:gd name="connsiteY3" fmla="*/ 567567 h 567567"/>
+                  <a:gd name="connsiteX4" fmla="*/ 319422 w 638844"/>
+                  <a:gd name="connsiteY4" fmla="*/ 567567 h 567567"/>
+                  <a:gd name="connsiteX5" fmla="*/ 0 w 638844"/>
+                  <a:gd name="connsiteY5" fmla="*/ 567567 h 567567"/>
+                  <a:gd name="connsiteX6" fmla="*/ 0 w 638844"/>
+                  <a:gd name="connsiteY6" fmla="*/ 0 h 567567"/>
+                </a:gdLst>
+                <a:ahLst/>
+                <a:cxnLst>
+                  <a:cxn ang="0">
+                    <a:pos x="connsiteX0" y="connsiteY0"/>
+                  </a:cxn>
+                  <a:cxn ang="0">
+                    <a:pos x="connsiteX1" y="connsiteY1"/>
+                  </a:cxn>
+                  <a:cxn ang="0">
+                    <a:pos x="connsiteX2" y="connsiteY2"/>
+                  </a:cxn>
+                  <a:cxn ang="0">
+                    <a:pos x="connsiteX3" y="connsiteY3"/>
+                  </a:cxn>
+                  <a:cxn ang="0">
+                    <a:pos x="connsiteX4" y="connsiteY4"/>
+                  </a:cxn>
+                  <a:cxn ang="0">
+                    <a:pos x="connsiteX5" y="connsiteY5"/>
+                  </a:cxn>
+                  <a:cxn ang="0">
+                    <a:pos x="connsiteX6" y="connsiteY6"/>
+                  </a:cxn>
+                </a:cxnLst>
+                <a:rect l="l" t="t" r="r" b="b"/>
+                <a:pathLst>
+                  <a:path w="638844" h="567567" extrusionOk="0">
+                    <a:moveTo>
+                      <a:pt x="0" y="0"/>
+                    </a:moveTo>
+                    <a:cubicBezTo>
+                      <a:pt x="107049" y="-28643"/>
+                      <a:pt x="224731" y="11647"/>
+                      <a:pt x="313034" y="0"/>
+                    </a:cubicBezTo>
+                    <a:cubicBezTo>
+                      <a:pt x="401337" y="-11647"/>
+                      <a:pt x="516714" y="9270"/>
+                      <a:pt x="638844" y="0"/>
+                    </a:cubicBezTo>
+                    <a:cubicBezTo>
+                      <a:pt x="659893" y="261996"/>
+                      <a:pt x="605218" y="393178"/>
+                      <a:pt x="638844" y="567567"/>
+                    </a:cubicBezTo>
+                    <a:cubicBezTo>
+                      <a:pt x="521824" y="586611"/>
+                      <a:pt x="470246" y="548380"/>
+                      <a:pt x="319422" y="567567"/>
+                    </a:cubicBezTo>
+                    <a:cubicBezTo>
+                      <a:pt x="168598" y="586754"/>
+                      <a:pt x="137700" y="550918"/>
+                      <a:pt x="0" y="567567"/>
+                    </a:cubicBezTo>
+                    <a:cubicBezTo>
+                      <a:pt x="-23016" y="445131"/>
+                      <a:pt x="23133" y="240945"/>
+                      <a:pt x="0" y="0"/>
+                    </a:cubicBezTo>
+                    <a:close/>
+                  </a:path>
+                </a:pathLst>
+              </a:custGeom>
+              <a:noFill/>
+              <a:ln w="19050">
                 <a:solidFill>
-                  <a:srgbClr val="DF3312"/>
+                  <a:srgbClr val="002060"/>
                 </a:solidFill>
-                <a:latin typeface="Arial" panose="020B0604020202020204" pitchFamily="34" charset="0"/>
-                <a:cs typeface="Arial" panose="020B0604020202020204" pitchFamily="34" charset="0"/>
-              </a:endParaRPr>
-            </a:p>
-          </p:txBody>
-        </p:sp>
+                <a:prstDash val="dash"/>
+                <a:extLst>
+                  <a:ext uri="{C807C97D-BFC1-408E-A445-0C87EB9F89A2}">
+                    <ask:lineSketchStyleProps xmlns:ask="http://schemas.microsoft.com/office/drawing/2018/sketchyshapes" sd="1219033472">
+                      <a:prstGeom prst="rect">
+                        <a:avLst/>
+                      </a:prstGeom>
+                      <ask:type>
+                        <ask:lineSketchScribble/>
+                      </ask:type>
+                    </ask:lineSketchStyleProps>
+                  </a:ext>
+                </a:extLst>
+              </a:ln>
+            </p:spPr>
+            <p:style>
+              <a:lnRef idx="2">
+                <a:schemeClr val="accent1">
+                  <a:shade val="50000"/>
+                </a:schemeClr>
+              </a:lnRef>
+              <a:fillRef idx="1">
+                <a:schemeClr val="accent1"/>
+              </a:fillRef>
+              <a:effectRef idx="0">
+                <a:schemeClr val="accent1"/>
+              </a:effectRef>
+              <a:fontRef idx="minor">
+                <a:schemeClr val="lt1"/>
+              </a:fontRef>
+            </p:style>
+            <p:txBody>
+              <a:bodyPr tIns="91440" anchorCtr="1"/>
+              <a:lstStyle/>
+              <a:p>
+                <a:pPr algn="ctr" eaLnBrk="1" fontAlgn="auto" hangingPunct="1">
+                  <a:spcBef>
+                    <a:spcPts val="0"/>
+                  </a:spcBef>
+                  <a:spcAft>
+                    <a:spcPts val="0"/>
+                  </a:spcAft>
+                  <a:defRPr/>
+                </a:pPr>
+                <a:endParaRPr lang="en-US" sz="1000" dirty="0">
+                  <a:solidFill>
+                    <a:srgbClr val="DF3312"/>
+                  </a:solidFill>
+                  <a:latin typeface="Arial" panose="020B0604020202020204" pitchFamily="34" charset="0"/>
+                  <a:cs typeface="Arial" panose="020B0604020202020204" pitchFamily="34" charset="0"/>
+                </a:endParaRPr>
+              </a:p>
+            </p:txBody>
+          </p:sp>
+        </p:grpSp>
       </p:grpSp>
+      <p:sp>
+        <p:nvSpPr>
+          <p:cNvPr id="23" name="Rectangle 22">
+            <a:extLst>
+              <a:ext uri="{FF2B5EF4-FFF2-40B4-BE49-F238E27FC236}">
+                <a16:creationId xmlns:a16="http://schemas.microsoft.com/office/drawing/2014/main" id="{B0FD6C63-E2BE-7549-9531-D111A18F920D}"/>
+              </a:ext>
+            </a:extLst>
+          </p:cNvPr>
+          <p:cNvSpPr/>
+          <p:nvPr/>
+        </p:nvSpPr>
+        <p:spPr>
+          <a:xfrm>
+            <a:off x="7936302" y="1940943"/>
+            <a:ext cx="3295290" cy="296242"/>
+          </a:xfrm>
+          <a:prstGeom prst="rect">
+            <a:avLst/>
+          </a:prstGeom>
+          <a:solidFill>
+            <a:srgbClr val="1D1D1F"/>
+          </a:solidFill>
+          <a:ln>
+            <a:noFill/>
+          </a:ln>
+        </p:spPr>
+        <p:style>
+          <a:lnRef idx="2">
+            <a:schemeClr val="accent1">
+              <a:shade val="50000"/>
+            </a:schemeClr>
+          </a:lnRef>
+          <a:fillRef idx="1">
+            <a:schemeClr val="accent1"/>
+          </a:fillRef>
+          <a:effectRef idx="0">
+            <a:schemeClr val="accent1"/>
+          </a:effectRef>
+          <a:fontRef idx="minor">
+            <a:schemeClr val="lt1"/>
+          </a:fontRef>
+        </p:style>
+        <p:txBody>
+          <a:bodyPr rtlCol="0" anchor="ctr"/>
+          <a:lstStyle/>
+          <a:p>
+            <a:pPr algn="ctr"/>
+            <a:endParaRPr lang="en-US"/>
+          </a:p>
+        </p:txBody>
+      </p:sp>
     </p:spTree>
     <p:extLst>
       <p:ext uri="{BB962C8B-B14F-4D97-AF65-F5344CB8AC3E}">
@@ -10247,7 +10316,7 @@
                                           </p:stCondLst>
                                         </p:cTn>
                                         <p:tgtEl>
-                                          <p:spTgt spid="16"/>
+                                          <p:spTgt spid="6"/>
                                         </p:tgtEl>
                                         <p:attrNameLst>
                                           <p:attrName>style.visibility</p:attrName>
@@ -10261,7 +10330,7 @@
                                       <p:cBhvr>
                                         <p:cTn id="7" dur="500"/>
                                         <p:tgtEl>
-                                          <p:spTgt spid="16"/>
+                                          <p:spTgt spid="6"/>
                                         </p:tgtEl>
                                       </p:cBhvr>
                                     </p:animEffect>
@@ -10271,27 +10340,36 @@
                             </p:childTnLst>
                           </p:cTn>
                         </p:par>
+                      </p:childTnLst>
+                    </p:cTn>
+                  </p:par>
+                  <p:par>
+                    <p:cTn id="8" fill="hold">
+                      <p:stCondLst>
+                        <p:cond delay="indefinite"/>
+                      </p:stCondLst>
+                      <p:childTnLst>
                         <p:par>
-                          <p:cTn id="8" fill="hold">
+                          <p:cTn id="9" fill="hold">
                             <p:stCondLst>
-                              <p:cond delay="500"/>
+                              <p:cond delay="0"/>
                             </p:stCondLst>
                             <p:childTnLst>
                               <p:par>
-                                <p:cTn id="9" presetID="22" presetClass="entr" presetSubtype="8" fill="hold" nodeType="afterEffect">
+                                <p:cTn id="10" presetID="22" presetClass="entr" presetSubtype="8" fill="hold" grpId="0" nodeType="clickEffect">
                                   <p:stCondLst>
                                     <p:cond delay="0"/>
                                   </p:stCondLst>
                                   <p:childTnLst>
                                     <p:set>
                                       <p:cBhvr>
-                                        <p:cTn id="10" dur="1" fill="hold">
+                                        <p:cTn id="11" dur="1" fill="hold">
                                           <p:stCondLst>
                                             <p:cond delay="0"/>
                                           </p:stCondLst>
                                         </p:cTn>
                                         <p:tgtEl>
-                                          <p:spTgt spid="13"/>
+                                          <p:spTgt spid="23"/>
                                         </p:tgtEl>
                                         <p:attrNameLst>
                                           <p:attrName>style.visibility</p:attrName>
@@ -10303,9 +10381,212 @@
                                     </p:set>
                                     <p:animEffect transition="in" filter="wipe(left)">
                                       <p:cBhvr>
-                                        <p:cTn id="11" dur="500"/>
+                                        <p:cTn id="12" dur="500"/>
                                         <p:tgtEl>
-                                          <p:spTgt spid="13"/>
+                                          <p:spTgt spid="23"/>
+                                        </p:tgtEl>
+                                      </p:cBhvr>
+                                    </p:animEffect>
+                                  </p:childTnLst>
+                                </p:cTn>
+                              </p:par>
+                            </p:childTnLst>
+                          </p:cTn>
+                        </p:par>
+                        <p:par>
+                          <p:cTn id="13" fill="hold">
+                            <p:stCondLst>
+                              <p:cond delay="500"/>
+                            </p:stCondLst>
+                            <p:childTnLst>
+                              <p:par>
+                                <p:cTn id="14" presetID="10" presetClass="entr" presetSubtype="0" fill="hold" nodeType="afterEffect">
+                                  <p:stCondLst>
+                                    <p:cond delay="0"/>
+                                  </p:stCondLst>
+                                  <p:childTnLst>
+                                    <p:set>
+                                      <p:cBhvr>
+                                        <p:cTn id="15" dur="1" fill="hold">
+                                          <p:stCondLst>
+                                            <p:cond delay="0"/>
+                                          </p:stCondLst>
+                                        </p:cTn>
+                                        <p:tgtEl>
+                                          <p:spTgt spid="7"/>
+                                        </p:tgtEl>
+                                        <p:attrNameLst>
+                                          <p:attrName>style.visibility</p:attrName>
+                                        </p:attrNameLst>
+                                      </p:cBhvr>
+                                      <p:to>
+                                        <p:strVal val="visible"/>
+                                      </p:to>
+                                    </p:set>
+                                    <p:animEffect transition="in" filter="fade">
+                                      <p:cBhvr>
+                                        <p:cTn id="16" dur="500"/>
+                                        <p:tgtEl>
+                                          <p:spTgt spid="7"/>
+                                        </p:tgtEl>
+                                      </p:cBhvr>
+                                    </p:animEffect>
+                                  </p:childTnLst>
+                                </p:cTn>
+                              </p:par>
+                            </p:childTnLst>
+                          </p:cTn>
+                        </p:par>
+                      </p:childTnLst>
+                    </p:cTn>
+                  </p:par>
+                  <p:par>
+                    <p:cTn id="17" fill="hold">
+                      <p:stCondLst>
+                        <p:cond delay="indefinite"/>
+                      </p:stCondLst>
+                      <p:childTnLst>
+                        <p:par>
+                          <p:cTn id="18" fill="hold">
+                            <p:stCondLst>
+                              <p:cond delay="0"/>
+                            </p:stCondLst>
+                            <p:childTnLst>
+                              <p:par>
+                                <p:cTn id="19" presetID="10" presetClass="entr" presetSubtype="0" fill="hold" nodeType="clickEffect">
+                                  <p:stCondLst>
+                                    <p:cond delay="0"/>
+                                  </p:stCondLst>
+                                  <p:childTnLst>
+                                    <p:set>
+                                      <p:cBhvr>
+                                        <p:cTn id="20" dur="1" fill="hold">
+                                          <p:stCondLst>
+                                            <p:cond delay="0"/>
+                                          </p:stCondLst>
+                                        </p:cTn>
+                                        <p:tgtEl>
+                                          <p:spTgt spid="8"/>
+                                        </p:tgtEl>
+                                        <p:attrNameLst>
+                                          <p:attrName>style.visibility</p:attrName>
+                                        </p:attrNameLst>
+                                      </p:cBhvr>
+                                      <p:to>
+                                        <p:strVal val="visible"/>
+                                      </p:to>
+                                    </p:set>
+                                    <p:animEffect transition="in" filter="fade">
+                                      <p:cBhvr>
+                                        <p:cTn id="21" dur="500"/>
+                                        <p:tgtEl>
+                                          <p:spTgt spid="8"/>
+                                        </p:tgtEl>
+                                      </p:cBhvr>
+                                    </p:animEffect>
+                                  </p:childTnLst>
+                                </p:cTn>
+                              </p:par>
+                            </p:childTnLst>
+                          </p:cTn>
+                        </p:par>
+                      </p:childTnLst>
+                    </p:cTn>
+                  </p:par>
+                  <p:par>
+                    <p:cTn id="22" fill="hold">
+                      <p:stCondLst>
+                        <p:cond delay="indefinite"/>
+                      </p:stCondLst>
+                      <p:childTnLst>
+                        <p:par>
+                          <p:cTn id="23" fill="hold">
+                            <p:stCondLst>
+                              <p:cond delay="0"/>
+                            </p:stCondLst>
+                            <p:childTnLst>
+                              <p:par>
+                                <p:cTn id="24" presetID="10" presetClass="entr" presetSubtype="0" fill="hold" nodeType="clickEffect">
+                                  <p:stCondLst>
+                                    <p:cond delay="0"/>
+                                  </p:stCondLst>
+                                  <p:childTnLst>
+                                    <p:set>
+                                      <p:cBhvr>
+                                        <p:cTn id="25" dur="1" fill="hold">
+                                          <p:stCondLst>
+                                            <p:cond delay="0"/>
+                                          </p:stCondLst>
+                                        </p:cTn>
+                                        <p:tgtEl>
+                                          <p:spTgt spid="9"/>
+                                        </p:tgtEl>
+                                        <p:attrNameLst>
+                                          <p:attrName>style.visibility</p:attrName>
+                                        </p:attrNameLst>
+                                      </p:cBhvr>
+                                      <p:to>
+                                        <p:strVal val="visible"/>
+                                      </p:to>
+                                    </p:set>
+                                    <p:animEffect transition="in" filter="fade">
+                                      <p:cBhvr>
+                                        <p:cTn id="26" dur="500"/>
+                                        <p:tgtEl>
+                                          <p:spTgt spid="9"/>
+                                        </p:tgtEl>
+                                      </p:cBhvr>
+                                    </p:animEffect>
+                                  </p:childTnLst>
+                                </p:cTn>
+                              </p:par>
+                            </p:childTnLst>
+                          </p:cTn>
+                        </p:par>
+                      </p:childTnLst>
+                    </p:cTn>
+                  </p:par>
+                  <p:par>
+                    <p:cTn id="27" fill="hold">
+                      <p:stCondLst>
+                        <p:cond delay="indefinite"/>
+                      </p:stCondLst>
+                      <p:childTnLst>
+                        <p:par>
+                          <p:cTn id="28" fill="hold">
+                            <p:stCondLst>
+                              <p:cond delay="0"/>
+                            </p:stCondLst>
+                            <p:childTnLst>
+                              <p:par>
+                                <p:cTn id="29" presetID="10" presetClass="entr" presetSubtype="0" fill="hold" nodeType="clickEffect">
+                                  <p:stCondLst>
+                                    <p:cond delay="0"/>
+                                  </p:stCondLst>
+                                  <p:childTnLst>
+                                    <p:set>
+                                      <p:cBhvr>
+                                        <p:cTn id="30" dur="1" fill="hold">
+                                          <p:stCondLst>
+                                            <p:cond delay="0"/>
+                                          </p:stCondLst>
+                                        </p:cTn>
+                                        <p:tgtEl>
+                                          <p:spTgt spid="24"/>
+                                        </p:tgtEl>
+                                        <p:attrNameLst>
+                                          <p:attrName>style.visibility</p:attrName>
+                                        </p:attrNameLst>
+                                      </p:cBhvr>
+                                      <p:to>
+                                        <p:strVal val="visible"/>
+                                      </p:to>
+                                    </p:set>
+                                    <p:animEffect transition="in" filter="fade">
+                                      <p:cBhvr>
+                                        <p:cTn id="31" dur="500"/>
+                                        <p:tgtEl>
+                                          <p:spTgt spid="24"/>
                                         </p:tgtEl>
                                       </p:cBhvr>
                                     </p:animEffect>
@@ -10339,6 +10620,9 @@
         </p:cTn>
       </p:par>
     </p:tnLst>
+    <p:bldLst>
+      <p:bldP spid="23" grpId="0" animBg="1"/>
+    </p:bldLst>
   </p:timing>
 </p:sld>
 </file>

--- a/04-aws-cli/04-aws-cli.pptx
+++ b/04-aws-cli/04-aws-cli.pptx
@@ -204,7 +204,7 @@
           <a:p>
             <a:fld id="{926F5171-4620-824D-BBEE-9B12D10DDA40}" type="datetimeFigureOut">
               <a:rPr lang="en-US" smtClean="0"/>
-              <a:t>6/24/21</a:t>
+              <a:t>7/2/21</a:t>
             </a:fld>
             <a:endParaRPr lang="en-US"/>
           </a:p>
@@ -1314,7 +1314,7 @@
           <a:p>
             <a:fld id="{5940F215-8337-114F-9F3D-71B1107C1CD3}" type="datetimeFigureOut">
               <a:rPr lang="en-US" smtClean="0"/>
-              <a:t>6/24/21</a:t>
+              <a:t>7/2/21</a:t>
             </a:fld>
             <a:endParaRPr lang="en-US"/>
           </a:p>
@@ -1538,7 +1538,7 @@
           <a:p>
             <a:fld id="{5940F215-8337-114F-9F3D-71B1107C1CD3}" type="datetimeFigureOut">
               <a:rPr lang="en-US" smtClean="0"/>
-              <a:t>6/24/21</a:t>
+              <a:t>7/2/21</a:t>
             </a:fld>
             <a:endParaRPr lang="en-US"/>
           </a:p>
@@ -1772,7 +1772,7 @@
           <a:p>
             <a:fld id="{5940F215-8337-114F-9F3D-71B1107C1CD3}" type="datetimeFigureOut">
               <a:rPr lang="en-US" smtClean="0"/>
-              <a:t>6/24/21</a:t>
+              <a:t>7/2/21</a:t>
             </a:fld>
             <a:endParaRPr lang="en-US"/>
           </a:p>
@@ -2166,7 +2166,7 @@
           <a:p>
             <a:fld id="{5940F215-8337-114F-9F3D-71B1107C1CD3}" type="datetimeFigureOut">
               <a:rPr lang="en-US" smtClean="0"/>
-              <a:t>6/24/21</a:t>
+              <a:t>7/2/21</a:t>
             </a:fld>
             <a:endParaRPr lang="en-US"/>
           </a:p>
@@ -2598,7 +2598,7 @@
           <a:p>
             <a:fld id="{5940F215-8337-114F-9F3D-71B1107C1CD3}" type="datetimeFigureOut">
               <a:rPr lang="en-US" smtClean="0"/>
-              <a:t>6/24/21</a:t>
+              <a:t>7/2/21</a:t>
             </a:fld>
             <a:endParaRPr lang="en-US"/>
           </a:p>
@@ -2890,7 +2890,7 @@
           <a:p>
             <a:fld id="{5940F215-8337-114F-9F3D-71B1107C1CD3}" type="datetimeFigureOut">
               <a:rPr lang="en-US" smtClean="0"/>
-              <a:t>6/24/21</a:t>
+              <a:t>7/2/21</a:t>
             </a:fld>
             <a:endParaRPr lang="en-US"/>
           </a:p>
@@ -3329,7 +3329,7 @@
           <a:p>
             <a:fld id="{5940F215-8337-114F-9F3D-71B1107C1CD3}" type="datetimeFigureOut">
               <a:rPr lang="en-US" smtClean="0"/>
-              <a:t>6/24/21</a:t>
+              <a:t>7/2/21</a:t>
             </a:fld>
             <a:endParaRPr lang="en-US"/>
           </a:p>
@@ -3495,7 +3495,7 @@
           <a:p>
             <a:fld id="{5940F215-8337-114F-9F3D-71B1107C1CD3}" type="datetimeFigureOut">
               <a:rPr lang="en-US" smtClean="0"/>
-              <a:t>6/24/21</a:t>
+              <a:t>7/2/21</a:t>
             </a:fld>
             <a:endParaRPr lang="en-US"/>
           </a:p>
@@ -3632,7 +3632,7 @@
           <a:p>
             <a:fld id="{5940F215-8337-114F-9F3D-71B1107C1CD3}" type="datetimeFigureOut">
               <a:rPr lang="en-US" smtClean="0"/>
-              <a:t>6/24/21</a:t>
+              <a:t>7/2/21</a:t>
             </a:fld>
             <a:endParaRPr lang="en-US"/>
           </a:p>
@@ -3969,7 +3969,7 @@
           <a:p>
             <a:fld id="{5940F215-8337-114F-9F3D-71B1107C1CD3}" type="datetimeFigureOut">
               <a:rPr lang="en-US" smtClean="0"/>
-              <a:t>6/24/21</a:t>
+              <a:t>7/2/21</a:t>
             </a:fld>
             <a:endParaRPr lang="en-US"/>
           </a:p>
@@ -4864,8 +4864,8 @@
         </p:nvSpPr>
         <p:spPr>
           <a:xfrm>
-            <a:off x="1248032" y="1175658"/>
-            <a:ext cx="1000898" cy="1851747"/>
+            <a:off x="2640162" y="1175658"/>
+            <a:ext cx="455511" cy="1851747"/>
           </a:xfrm>
           <a:prstGeom prst="downArrow">
             <a:avLst/>
@@ -5128,6 +5128,58 @@
           </a:p>
         </p:txBody>
       </p:sp>
+      <p:sp>
+        <p:nvSpPr>
+          <p:cNvPr id="3" name="Rectangle 2">
+            <a:extLst>
+              <a:ext uri="{FF2B5EF4-FFF2-40B4-BE49-F238E27FC236}">
+                <a16:creationId xmlns:a16="http://schemas.microsoft.com/office/drawing/2014/main" id="{1D29D4F1-4053-4F48-97E8-5C32049EA40F}"/>
+              </a:ext>
+            </a:extLst>
+          </p:cNvPr>
+          <p:cNvSpPr/>
+          <p:nvPr/>
+        </p:nvSpPr>
+        <p:spPr>
+          <a:xfrm>
+            <a:off x="92054" y="3479630"/>
+            <a:ext cx="5455521" cy="757708"/>
+          </a:xfrm>
+          <a:prstGeom prst="rect">
+            <a:avLst/>
+          </a:prstGeom>
+          <a:solidFill>
+            <a:schemeClr val="bg1"/>
+          </a:solidFill>
+          <a:ln>
+            <a:noFill/>
+          </a:ln>
+        </p:spPr>
+        <p:style>
+          <a:lnRef idx="2">
+            <a:schemeClr val="accent1">
+              <a:shade val="50000"/>
+            </a:schemeClr>
+          </a:lnRef>
+          <a:fillRef idx="1">
+            <a:schemeClr val="accent1"/>
+          </a:fillRef>
+          <a:effectRef idx="0">
+            <a:schemeClr val="accent1"/>
+          </a:effectRef>
+          <a:fontRef idx="minor">
+            <a:schemeClr val="lt1"/>
+          </a:fontRef>
+        </p:style>
+        <p:txBody>
+          <a:bodyPr rtlCol="0" anchor="ctr"/>
+          <a:lstStyle/>
+          <a:p>
+            <a:pPr algn="ctr"/>
+            <a:endParaRPr lang="en-US"/>
+          </a:p>
+        </p:txBody>
+      </p:sp>
     </p:spTree>
     <p:extLst>
       <p:ext uri="{BB962C8B-B14F-4D97-AF65-F5344CB8AC3E}">
@@ -5138,6 +5190,271 @@
   <p:clrMapOvr>
     <a:masterClrMapping/>
   </p:clrMapOvr>
+  <p:timing>
+    <p:tnLst>
+      <p:par>
+        <p:cTn id="1" dur="indefinite" restart="never" nodeType="tmRoot">
+          <p:childTnLst>
+            <p:seq concurrent="1" nextAc="seek">
+              <p:cTn id="2" dur="indefinite" nodeType="mainSeq">
+                <p:childTnLst>
+                  <p:par>
+                    <p:cTn id="3" fill="hold">
+                      <p:stCondLst>
+                        <p:cond delay="indefinite"/>
+                      </p:stCondLst>
+                      <p:childTnLst>
+                        <p:par>
+                          <p:cTn id="4" fill="hold">
+                            <p:stCondLst>
+                              <p:cond delay="0"/>
+                            </p:stCondLst>
+                            <p:childTnLst>
+                              <p:par>
+                                <p:cTn id="5" presetID="10" presetClass="entr" presetSubtype="0" fill="hold" grpId="0" nodeType="clickEffect">
+                                  <p:stCondLst>
+                                    <p:cond delay="0"/>
+                                  </p:stCondLst>
+                                  <p:childTnLst>
+                                    <p:set>
+                                      <p:cBhvr>
+                                        <p:cTn id="6" dur="1" fill="hold">
+                                          <p:stCondLst>
+                                            <p:cond delay="0"/>
+                                          </p:stCondLst>
+                                        </p:cTn>
+                                        <p:tgtEl>
+                                          <p:spTgt spid="6"/>
+                                        </p:tgtEl>
+                                        <p:attrNameLst>
+                                          <p:attrName>style.visibility</p:attrName>
+                                        </p:attrNameLst>
+                                      </p:cBhvr>
+                                      <p:to>
+                                        <p:strVal val="visible"/>
+                                      </p:to>
+                                    </p:set>
+                                    <p:animEffect transition="in" filter="fade">
+                                      <p:cBhvr>
+                                        <p:cTn id="7" dur="500"/>
+                                        <p:tgtEl>
+                                          <p:spTgt spid="6"/>
+                                        </p:tgtEl>
+                                      </p:cBhvr>
+                                    </p:animEffect>
+                                  </p:childTnLst>
+                                </p:cTn>
+                              </p:par>
+                              <p:par>
+                                <p:cTn id="8" presetID="10" presetClass="entr" presetSubtype="0" fill="hold" nodeType="withEffect">
+                                  <p:stCondLst>
+                                    <p:cond delay="0"/>
+                                  </p:stCondLst>
+                                  <p:childTnLst>
+                                    <p:set>
+                                      <p:cBhvr>
+                                        <p:cTn id="9" dur="1" fill="hold">
+                                          <p:stCondLst>
+                                            <p:cond delay="0"/>
+                                          </p:stCondLst>
+                                        </p:cTn>
+                                        <p:tgtEl>
+                                          <p:spTgt spid="5"/>
+                                        </p:tgtEl>
+                                        <p:attrNameLst>
+                                          <p:attrName>style.visibility</p:attrName>
+                                        </p:attrNameLst>
+                                      </p:cBhvr>
+                                      <p:to>
+                                        <p:strVal val="visible"/>
+                                      </p:to>
+                                    </p:set>
+                                    <p:animEffect transition="in" filter="fade">
+                                      <p:cBhvr>
+                                        <p:cTn id="10" dur="500"/>
+                                        <p:tgtEl>
+                                          <p:spTgt spid="5"/>
+                                        </p:tgtEl>
+                                      </p:cBhvr>
+                                    </p:animEffect>
+                                  </p:childTnLst>
+                                </p:cTn>
+                              </p:par>
+                            </p:childTnLst>
+                          </p:cTn>
+                        </p:par>
+                      </p:childTnLst>
+                    </p:cTn>
+                  </p:par>
+                  <p:par>
+                    <p:cTn id="11" fill="hold">
+                      <p:stCondLst>
+                        <p:cond delay="indefinite"/>
+                      </p:stCondLst>
+                      <p:childTnLst>
+                        <p:par>
+                          <p:cTn id="12" fill="hold">
+                            <p:stCondLst>
+                              <p:cond delay="0"/>
+                            </p:stCondLst>
+                            <p:childTnLst>
+                              <p:par>
+                                <p:cTn id="13" presetID="10" presetClass="entr" presetSubtype="0" fill="hold" grpId="0" nodeType="clickEffect">
+                                  <p:stCondLst>
+                                    <p:cond delay="0"/>
+                                  </p:stCondLst>
+                                  <p:childTnLst>
+                                    <p:set>
+                                      <p:cBhvr>
+                                        <p:cTn id="14" dur="1" fill="hold">
+                                          <p:stCondLst>
+                                            <p:cond delay="0"/>
+                                          </p:stCondLst>
+                                        </p:cTn>
+                                        <p:tgtEl>
+                                          <p:spTgt spid="9"/>
+                                        </p:tgtEl>
+                                        <p:attrNameLst>
+                                          <p:attrName>style.visibility</p:attrName>
+                                        </p:attrNameLst>
+                                      </p:cBhvr>
+                                      <p:to>
+                                        <p:strVal val="visible"/>
+                                      </p:to>
+                                    </p:set>
+                                    <p:animEffect transition="in" filter="fade">
+                                      <p:cBhvr>
+                                        <p:cTn id="15" dur="500"/>
+                                        <p:tgtEl>
+                                          <p:spTgt spid="9"/>
+                                        </p:tgtEl>
+                                      </p:cBhvr>
+                                    </p:animEffect>
+                                  </p:childTnLst>
+                                </p:cTn>
+                              </p:par>
+                            </p:childTnLst>
+                          </p:cTn>
+                        </p:par>
+                        <p:par>
+                          <p:cTn id="16" fill="hold">
+                            <p:stCondLst>
+                              <p:cond delay="500"/>
+                            </p:stCondLst>
+                            <p:childTnLst>
+                              <p:par>
+                                <p:cTn id="17" presetID="22" presetClass="entr" presetSubtype="2" fill="hold" grpId="0" nodeType="afterEffect">
+                                  <p:stCondLst>
+                                    <p:cond delay="0"/>
+                                  </p:stCondLst>
+                                  <p:childTnLst>
+                                    <p:set>
+                                      <p:cBhvr>
+                                        <p:cTn id="18" dur="1" fill="hold">
+                                          <p:stCondLst>
+                                            <p:cond delay="0"/>
+                                          </p:stCondLst>
+                                        </p:cTn>
+                                        <p:tgtEl>
+                                          <p:spTgt spid="13"/>
+                                        </p:tgtEl>
+                                        <p:attrNameLst>
+                                          <p:attrName>style.visibility</p:attrName>
+                                        </p:attrNameLst>
+                                      </p:cBhvr>
+                                      <p:to>
+                                        <p:strVal val="visible"/>
+                                      </p:to>
+                                    </p:set>
+                                    <p:animEffect transition="in" filter="wipe(right)">
+                                      <p:cBhvr>
+                                        <p:cTn id="19" dur="500"/>
+                                        <p:tgtEl>
+                                          <p:spTgt spid="13"/>
+                                        </p:tgtEl>
+                                      </p:cBhvr>
+                                    </p:animEffect>
+                                  </p:childTnLst>
+                                </p:cTn>
+                              </p:par>
+                            </p:childTnLst>
+                          </p:cTn>
+                        </p:par>
+                        <p:par>
+                          <p:cTn id="20" fill="hold">
+                            <p:stCondLst>
+                              <p:cond delay="1000"/>
+                            </p:stCondLst>
+                            <p:childTnLst>
+                              <p:par>
+                                <p:cTn id="21" presetID="10" presetClass="exit" presetSubtype="0" fill="hold" grpId="0" nodeType="afterEffect">
+                                  <p:stCondLst>
+                                    <p:cond delay="0"/>
+                                  </p:stCondLst>
+                                  <p:childTnLst>
+                                    <p:animEffect transition="out" filter="fade">
+                                      <p:cBhvr>
+                                        <p:cTn id="22" dur="500"/>
+                                        <p:tgtEl>
+                                          <p:spTgt spid="3"/>
+                                        </p:tgtEl>
+                                      </p:cBhvr>
+                                    </p:animEffect>
+                                    <p:set>
+                                      <p:cBhvr>
+                                        <p:cTn id="23" dur="1" fill="hold">
+                                          <p:stCondLst>
+                                            <p:cond delay="499"/>
+                                          </p:stCondLst>
+                                        </p:cTn>
+                                        <p:tgtEl>
+                                          <p:spTgt spid="3"/>
+                                        </p:tgtEl>
+                                        <p:attrNameLst>
+                                          <p:attrName>style.visibility</p:attrName>
+                                        </p:attrNameLst>
+                                      </p:cBhvr>
+                                      <p:to>
+                                        <p:strVal val="hidden"/>
+                                      </p:to>
+                                    </p:set>
+                                  </p:childTnLst>
+                                </p:cTn>
+                              </p:par>
+                            </p:childTnLst>
+                          </p:cTn>
+                        </p:par>
+                      </p:childTnLst>
+                    </p:cTn>
+                  </p:par>
+                </p:childTnLst>
+              </p:cTn>
+              <p:prevCondLst>
+                <p:cond evt="onPrev" delay="0">
+                  <p:tgtEl>
+                    <p:sldTgt/>
+                  </p:tgtEl>
+                </p:cond>
+              </p:prevCondLst>
+              <p:nextCondLst>
+                <p:cond evt="onNext" delay="0">
+                  <p:tgtEl>
+                    <p:sldTgt/>
+                  </p:tgtEl>
+                </p:cond>
+              </p:nextCondLst>
+            </p:seq>
+          </p:childTnLst>
+        </p:cTn>
+      </p:par>
+    </p:tnLst>
+    <p:bldLst>
+      <p:bldP spid="6" grpId="0" animBg="1"/>
+      <p:bldP spid="9" grpId="0" animBg="1"/>
+      <p:bldP spid="13" grpId="0" animBg="1"/>
+      <p:bldP spid="3" grpId="0" animBg="1"/>
+    </p:bldLst>
+  </p:timing>
 </p:sld>
 </file>
 
@@ -5239,6 +5556,21 @@
               <a:t>Is “partly” Infrastructure as Code</a:t>
             </a:r>
           </a:p>
+          <a:p>
+            <a:pPr lvl="1"/>
+            <a:r>
+              <a:rPr lang="en-US" dirty="0"/>
+              <a:t>…but you will likely </a:t>
+            </a:r>
+            <a:r>
+              <a:rPr lang="en-US" u="sng" dirty="0"/>
+              <a:t>not</a:t>
+            </a:r>
+            <a:r>
+              <a:rPr lang="en-US" dirty="0"/>
+              <a:t> build whole your infrastructure using CLI</a:t>
+            </a:r>
+          </a:p>
         </p:txBody>
       </p:sp>
       <p:pic>
@@ -5263,7 +5595,7 @@
         </p:blipFill>
         <p:spPr>
           <a:xfrm>
-            <a:off x="8208070" y="1082755"/>
+            <a:off x="8214420" y="1343105"/>
             <a:ext cx="3684184" cy="1639957"/>
           </a:xfrm>
           <a:prstGeom prst="rect">
@@ -8392,7 +8724,7 @@
                                           </p:stCondLst>
                                         </p:cTn>
                                         <p:tgtEl>
-                                          <p:spTgt spid="38"/>
+                                          <p:spTgt spid="40"/>
                                         </p:tgtEl>
                                         <p:attrNameLst>
                                           <p:attrName>style.visibility</p:attrName>
@@ -8406,7 +8738,77 @@
                                       <p:cBhvr>
                                         <p:cTn id="7" dur="500"/>
                                         <p:tgtEl>
-                                          <p:spTgt spid="38"/>
+                                          <p:spTgt spid="40"/>
+                                        </p:tgtEl>
+                                      </p:cBhvr>
+                                    </p:animEffect>
+                                  </p:childTnLst>
+                                </p:cTn>
+                              </p:par>
+                              <p:par>
+                                <p:cTn id="8" presetID="10" presetClass="entr" presetSubtype="0" fill="hold" nodeType="withEffect">
+                                  <p:stCondLst>
+                                    <p:cond delay="0"/>
+                                  </p:stCondLst>
+                                  <p:childTnLst>
+                                    <p:set>
+                                      <p:cBhvr>
+                                        <p:cTn id="9" dur="1" fill="hold">
+                                          <p:stCondLst>
+                                            <p:cond delay="0"/>
+                                          </p:stCondLst>
+                                        </p:cTn>
+                                        <p:tgtEl>
+                                          <p:spTgt spid="21"/>
+                                        </p:tgtEl>
+                                        <p:attrNameLst>
+                                          <p:attrName>style.visibility</p:attrName>
+                                        </p:attrNameLst>
+                                      </p:cBhvr>
+                                      <p:to>
+                                        <p:strVal val="visible"/>
+                                      </p:to>
+                                    </p:set>
+                                    <p:animEffect transition="in" filter="fade">
+                                      <p:cBhvr>
+                                        <p:cTn id="10" dur="500"/>
+                                        <p:tgtEl>
+                                          <p:spTgt spid="21"/>
+                                        </p:tgtEl>
+                                      </p:cBhvr>
+                                    </p:animEffect>
+                                  </p:childTnLst>
+                                </p:cTn>
+                              </p:par>
+                              <p:par>
+                                <p:cTn id="11" presetID="10" presetClass="entr" presetSubtype="0" fill="hold" grpId="0" nodeType="withEffect">
+                                  <p:stCondLst>
+                                    <p:cond delay="0"/>
+                                  </p:stCondLst>
+                                  <p:childTnLst>
+                                    <p:set>
+                                      <p:cBhvr>
+                                        <p:cTn id="12" dur="1" fill="hold">
+                                          <p:stCondLst>
+                                            <p:cond delay="0"/>
+                                          </p:stCondLst>
+                                        </p:cTn>
+                                        <p:tgtEl>
+                                          <p:spTgt spid="32"/>
+                                        </p:tgtEl>
+                                        <p:attrNameLst>
+                                          <p:attrName>style.visibility</p:attrName>
+                                        </p:attrNameLst>
+                                      </p:cBhvr>
+                                      <p:to>
+                                        <p:strVal val="visible"/>
+                                      </p:to>
+                                    </p:set>
+                                    <p:animEffect transition="in" filter="fade">
+                                      <p:cBhvr>
+                                        <p:cTn id="13" dur="500"/>
+                                        <p:tgtEl>
+                                          <p:spTgt spid="32"/>
                                         </p:tgtEl>
                                       </p:cBhvr>
                                     </p:animEffect>
@@ -8420,26 +8822,26 @@
                     </p:cTn>
                   </p:par>
                   <p:par>
-                    <p:cTn id="8" fill="hold">
+                    <p:cTn id="14" fill="hold">
                       <p:stCondLst>
                         <p:cond delay="indefinite"/>
                       </p:stCondLst>
                       <p:childTnLst>
                         <p:par>
-                          <p:cTn id="9" fill="hold">
+                          <p:cTn id="15" fill="hold">
                             <p:stCondLst>
                               <p:cond delay="0"/>
                             </p:stCondLst>
                             <p:childTnLst>
                               <p:par>
-                                <p:cTn id="10" presetID="10" presetClass="entr" presetSubtype="0" fill="hold" grpId="0" nodeType="clickEffect">
+                                <p:cTn id="16" presetID="10" presetClass="entr" presetSubtype="0" fill="hold" grpId="0" nodeType="clickEffect">
                                   <p:stCondLst>
                                     <p:cond delay="0"/>
                                   </p:stCondLst>
                                   <p:childTnLst>
                                     <p:set>
                                       <p:cBhvr>
-                                        <p:cTn id="11" dur="1" fill="hold">
+                                        <p:cTn id="17" dur="1" fill="hold">
                                           <p:stCondLst>
                                             <p:cond delay="0"/>
                                           </p:stCondLst>
@@ -8457,9 +8859,361 @@
                                     </p:set>
                                     <p:animEffect transition="in" filter="fade">
                                       <p:cBhvr>
-                                        <p:cTn id="12" dur="500"/>
+                                        <p:cTn id="18" dur="500"/>
                                         <p:tgtEl>
                                           <p:spTgt spid="39"/>
+                                        </p:tgtEl>
+                                      </p:cBhvr>
+                                    </p:animEffect>
+                                  </p:childTnLst>
+                                </p:cTn>
+                              </p:par>
+                            </p:childTnLst>
+                          </p:cTn>
+                        </p:par>
+                      </p:childTnLst>
+                    </p:cTn>
+                  </p:par>
+                  <p:par>
+                    <p:cTn id="19" fill="hold">
+                      <p:stCondLst>
+                        <p:cond delay="indefinite"/>
+                      </p:stCondLst>
+                      <p:childTnLst>
+                        <p:par>
+                          <p:cTn id="20" fill="hold">
+                            <p:stCondLst>
+                              <p:cond delay="0"/>
+                            </p:stCondLst>
+                            <p:childTnLst>
+                              <p:par>
+                                <p:cTn id="21" presetID="10" presetClass="entr" presetSubtype="0" fill="hold" grpId="0" nodeType="clickEffect">
+                                  <p:stCondLst>
+                                    <p:cond delay="0"/>
+                                  </p:stCondLst>
+                                  <p:childTnLst>
+                                    <p:set>
+                                      <p:cBhvr>
+                                        <p:cTn id="22" dur="1" fill="hold">
+                                          <p:stCondLst>
+                                            <p:cond delay="0"/>
+                                          </p:stCondLst>
+                                        </p:cTn>
+                                        <p:tgtEl>
+                                          <p:spTgt spid="45"/>
+                                        </p:tgtEl>
+                                        <p:attrNameLst>
+                                          <p:attrName>style.visibility</p:attrName>
+                                        </p:attrNameLst>
+                                      </p:cBhvr>
+                                      <p:to>
+                                        <p:strVal val="visible"/>
+                                      </p:to>
+                                    </p:set>
+                                    <p:animEffect transition="in" filter="fade">
+                                      <p:cBhvr>
+                                        <p:cTn id="23" dur="500"/>
+                                        <p:tgtEl>
+                                          <p:spTgt spid="45"/>
+                                        </p:tgtEl>
+                                      </p:cBhvr>
+                                    </p:animEffect>
+                                  </p:childTnLst>
+                                </p:cTn>
+                              </p:par>
+                              <p:par>
+                                <p:cTn id="24" presetID="10" presetClass="entr" presetSubtype="0" fill="hold" nodeType="withEffect">
+                                  <p:stCondLst>
+                                    <p:cond delay="0"/>
+                                  </p:stCondLst>
+                                  <p:childTnLst>
+                                    <p:set>
+                                      <p:cBhvr>
+                                        <p:cTn id="25" dur="1" fill="hold">
+                                          <p:stCondLst>
+                                            <p:cond delay="0"/>
+                                          </p:stCondLst>
+                                        </p:cTn>
+                                        <p:tgtEl>
+                                          <p:spTgt spid="22"/>
+                                        </p:tgtEl>
+                                        <p:attrNameLst>
+                                          <p:attrName>style.visibility</p:attrName>
+                                        </p:attrNameLst>
+                                      </p:cBhvr>
+                                      <p:to>
+                                        <p:strVal val="visible"/>
+                                      </p:to>
+                                    </p:set>
+                                    <p:animEffect transition="in" filter="fade">
+                                      <p:cBhvr>
+                                        <p:cTn id="26" dur="500"/>
+                                        <p:tgtEl>
+                                          <p:spTgt spid="22"/>
+                                        </p:tgtEl>
+                                      </p:cBhvr>
+                                    </p:animEffect>
+                                  </p:childTnLst>
+                                </p:cTn>
+                              </p:par>
+                              <p:par>
+                                <p:cTn id="27" presetID="10" presetClass="entr" presetSubtype="0" fill="hold" grpId="0" nodeType="withEffect">
+                                  <p:stCondLst>
+                                    <p:cond delay="0"/>
+                                  </p:stCondLst>
+                                  <p:childTnLst>
+                                    <p:set>
+                                      <p:cBhvr>
+                                        <p:cTn id="28" dur="1" fill="hold">
+                                          <p:stCondLst>
+                                            <p:cond delay="0"/>
+                                          </p:stCondLst>
+                                        </p:cTn>
+                                        <p:tgtEl>
+                                          <p:spTgt spid="34"/>
+                                        </p:tgtEl>
+                                        <p:attrNameLst>
+                                          <p:attrName>style.visibility</p:attrName>
+                                        </p:attrNameLst>
+                                      </p:cBhvr>
+                                      <p:to>
+                                        <p:strVal val="visible"/>
+                                      </p:to>
+                                    </p:set>
+                                    <p:animEffect transition="in" filter="fade">
+                                      <p:cBhvr>
+                                        <p:cTn id="29" dur="500"/>
+                                        <p:tgtEl>
+                                          <p:spTgt spid="34"/>
+                                        </p:tgtEl>
+                                      </p:cBhvr>
+                                    </p:animEffect>
+                                  </p:childTnLst>
+                                </p:cTn>
+                              </p:par>
+                            </p:childTnLst>
+                          </p:cTn>
+                        </p:par>
+                      </p:childTnLst>
+                    </p:cTn>
+                  </p:par>
+                  <p:par>
+                    <p:cTn id="30" fill="hold">
+                      <p:stCondLst>
+                        <p:cond delay="indefinite"/>
+                      </p:stCondLst>
+                      <p:childTnLst>
+                        <p:par>
+                          <p:cTn id="31" fill="hold">
+                            <p:stCondLst>
+                              <p:cond delay="0"/>
+                            </p:stCondLst>
+                            <p:childTnLst>
+                              <p:par>
+                                <p:cTn id="32" presetID="10" presetClass="entr" presetSubtype="0" fill="hold" grpId="0" nodeType="clickEffect">
+                                  <p:stCondLst>
+                                    <p:cond delay="0"/>
+                                  </p:stCondLst>
+                                  <p:childTnLst>
+                                    <p:set>
+                                      <p:cBhvr>
+                                        <p:cTn id="33" dur="1" fill="hold">
+                                          <p:stCondLst>
+                                            <p:cond delay="0"/>
+                                          </p:stCondLst>
+                                        </p:cTn>
+                                        <p:tgtEl>
+                                          <p:spTgt spid="37"/>
+                                        </p:tgtEl>
+                                        <p:attrNameLst>
+                                          <p:attrName>style.visibility</p:attrName>
+                                        </p:attrNameLst>
+                                      </p:cBhvr>
+                                      <p:to>
+                                        <p:strVal val="visible"/>
+                                      </p:to>
+                                    </p:set>
+                                    <p:animEffect transition="in" filter="fade">
+                                      <p:cBhvr>
+                                        <p:cTn id="34" dur="500"/>
+                                        <p:tgtEl>
+                                          <p:spTgt spid="37"/>
+                                        </p:tgtEl>
+                                      </p:cBhvr>
+                                    </p:animEffect>
+                                  </p:childTnLst>
+                                </p:cTn>
+                              </p:par>
+                              <p:par>
+                                <p:cTn id="35" presetID="10" presetClass="entr" presetSubtype="0" fill="hold" nodeType="withEffect">
+                                  <p:stCondLst>
+                                    <p:cond delay="0"/>
+                                  </p:stCondLst>
+                                  <p:childTnLst>
+                                    <p:set>
+                                      <p:cBhvr>
+                                        <p:cTn id="36" dur="1" fill="hold">
+                                          <p:stCondLst>
+                                            <p:cond delay="0"/>
+                                          </p:stCondLst>
+                                        </p:cTn>
+                                        <p:tgtEl>
+                                          <p:spTgt spid="35"/>
+                                        </p:tgtEl>
+                                        <p:attrNameLst>
+                                          <p:attrName>style.visibility</p:attrName>
+                                        </p:attrNameLst>
+                                      </p:cBhvr>
+                                      <p:to>
+                                        <p:strVal val="visible"/>
+                                      </p:to>
+                                    </p:set>
+                                    <p:animEffect transition="in" filter="fade">
+                                      <p:cBhvr>
+                                        <p:cTn id="37" dur="500"/>
+                                        <p:tgtEl>
+                                          <p:spTgt spid="35"/>
+                                        </p:tgtEl>
+                                      </p:cBhvr>
+                                    </p:animEffect>
+                                  </p:childTnLst>
+                                </p:cTn>
+                              </p:par>
+                              <p:par>
+                                <p:cTn id="38" presetID="10" presetClass="entr" presetSubtype="0" fill="hold" grpId="0" nodeType="withEffect">
+                                  <p:stCondLst>
+                                    <p:cond delay="0"/>
+                                  </p:stCondLst>
+                                  <p:childTnLst>
+                                    <p:set>
+                                      <p:cBhvr>
+                                        <p:cTn id="39" dur="1" fill="hold">
+                                          <p:stCondLst>
+                                            <p:cond delay="0"/>
+                                          </p:stCondLst>
+                                        </p:cTn>
+                                        <p:tgtEl>
+                                          <p:spTgt spid="46"/>
+                                        </p:tgtEl>
+                                        <p:attrNameLst>
+                                          <p:attrName>style.visibility</p:attrName>
+                                        </p:attrNameLst>
+                                      </p:cBhvr>
+                                      <p:to>
+                                        <p:strVal val="visible"/>
+                                      </p:to>
+                                    </p:set>
+                                    <p:animEffect transition="in" filter="fade">
+                                      <p:cBhvr>
+                                        <p:cTn id="40" dur="500"/>
+                                        <p:tgtEl>
+                                          <p:spTgt spid="46"/>
+                                        </p:tgtEl>
+                                      </p:cBhvr>
+                                    </p:animEffect>
+                                  </p:childTnLst>
+                                </p:cTn>
+                              </p:par>
+                            </p:childTnLst>
+                          </p:cTn>
+                        </p:par>
+                      </p:childTnLst>
+                    </p:cTn>
+                  </p:par>
+                  <p:par>
+                    <p:cTn id="41" fill="hold">
+                      <p:stCondLst>
+                        <p:cond delay="indefinite"/>
+                      </p:stCondLst>
+                      <p:childTnLst>
+                        <p:par>
+                          <p:cTn id="42" fill="hold">
+                            <p:stCondLst>
+                              <p:cond delay="0"/>
+                            </p:stCondLst>
+                            <p:childTnLst>
+                              <p:par>
+                                <p:cTn id="43" presetID="10" presetClass="entr" presetSubtype="0" fill="hold" grpId="0" nodeType="clickEffect">
+                                  <p:stCondLst>
+                                    <p:cond delay="0"/>
+                                  </p:stCondLst>
+                                  <p:childTnLst>
+                                    <p:set>
+                                      <p:cBhvr>
+                                        <p:cTn id="44" dur="1" fill="hold">
+                                          <p:stCondLst>
+                                            <p:cond delay="0"/>
+                                          </p:stCondLst>
+                                        </p:cTn>
+                                        <p:tgtEl>
+                                          <p:spTgt spid="38"/>
+                                        </p:tgtEl>
+                                        <p:attrNameLst>
+                                          <p:attrName>style.visibility</p:attrName>
+                                        </p:attrNameLst>
+                                      </p:cBhvr>
+                                      <p:to>
+                                        <p:strVal val="visible"/>
+                                      </p:to>
+                                    </p:set>
+                                    <p:animEffect transition="in" filter="fade">
+                                      <p:cBhvr>
+                                        <p:cTn id="45" dur="500"/>
+                                        <p:tgtEl>
+                                          <p:spTgt spid="38"/>
+                                        </p:tgtEl>
+                                      </p:cBhvr>
+                                    </p:animEffect>
+                                  </p:childTnLst>
+                                </p:cTn>
+                              </p:par>
+                            </p:childTnLst>
+                          </p:cTn>
+                        </p:par>
+                      </p:childTnLst>
+                    </p:cTn>
+                  </p:par>
+                  <p:par>
+                    <p:cTn id="46" fill="hold">
+                      <p:stCondLst>
+                        <p:cond delay="indefinite"/>
+                      </p:stCondLst>
+                      <p:childTnLst>
+                        <p:par>
+                          <p:cTn id="47" fill="hold">
+                            <p:stCondLst>
+                              <p:cond delay="0"/>
+                            </p:stCondLst>
+                            <p:childTnLst>
+                              <p:par>
+                                <p:cTn id="48" presetID="10" presetClass="entr" presetSubtype="0" fill="hold" grpId="0" nodeType="clickEffect">
+                                  <p:stCondLst>
+                                    <p:cond delay="0"/>
+                                  </p:stCondLst>
+                                  <p:childTnLst>
+                                    <p:set>
+                                      <p:cBhvr>
+                                        <p:cTn id="49" dur="1" fill="hold">
+                                          <p:stCondLst>
+                                            <p:cond delay="0"/>
+                                          </p:stCondLst>
+                                        </p:cTn>
+                                        <p:tgtEl>
+                                          <p:spTgt spid="33"/>
+                                        </p:tgtEl>
+                                        <p:attrNameLst>
+                                          <p:attrName>style.visibility</p:attrName>
+                                        </p:attrNameLst>
+                                      </p:cBhvr>
+                                      <p:to>
+                                        <p:strVal val="visible"/>
+                                      </p:to>
+                                    </p:set>
+                                    <p:animEffect transition="in" filter="fade">
+                                      <p:cBhvr>
+                                        <p:cTn id="50" dur="500"/>
+                                        <p:tgtEl>
+                                          <p:spTgt spid="33"/>
                                         </p:tgtEl>
                                       </p:cBhvr>
                                     </p:animEffect>
@@ -8494,8 +9248,15 @@
       </p:par>
     </p:tnLst>
     <p:bldLst>
+      <p:bldP spid="32" grpId="0" animBg="1"/>
+      <p:bldP spid="33" grpId="0" animBg="1"/>
+      <p:bldP spid="34" grpId="0" animBg="1"/>
+      <p:bldP spid="37" grpId="0" animBg="1"/>
       <p:bldP spid="38" grpId="0" animBg="1"/>
       <p:bldP spid="39" grpId="0" animBg="1"/>
+      <p:bldP spid="40" grpId="0" animBg="1"/>
+      <p:bldP spid="45" grpId="0" animBg="1"/>
+      <p:bldP spid="46" grpId="0" animBg="1"/>
     </p:bldLst>
   </p:timing>
 </p:sld>
@@ -8720,7 +9481,7 @@
         <p:spPr>
           <a:xfrm>
             <a:off x="1573253" y="1729863"/>
-            <a:ext cx="9045490" cy="4401205"/>
+            <a:ext cx="9045490" cy="3970318"/>
           </a:xfrm>
           <a:prstGeom prst="rect">
             <a:avLst/>
@@ -8880,34 +9641,6 @@
                 <a:latin typeface="Gotham Medium" panose="02000604030000020004" pitchFamily="2" charset="0"/>
               </a:rPr>
               <a:t>Target Secrets Manager using CLI</a:t>
-            </a:r>
-          </a:p>
-          <a:p>
-            <a:pPr marL="457200" marR="0" lvl="0" indent="-457200" algn="l" defTabSz="914400" rtl="0" eaLnBrk="1" fontAlgn="auto" latinLnBrk="0" hangingPunct="1">
-              <a:lnSpc>
-                <a:spcPct val="100000"/>
-              </a:lnSpc>
-              <a:spcBef>
-                <a:spcPts val="0"/>
-              </a:spcBef>
-              <a:spcAft>
-                <a:spcPts val="0"/>
-              </a:spcAft>
-              <a:buClrTx/>
-              <a:buSzTx/>
-              <a:buFont typeface="Arial" panose="020B0604020202020204" pitchFamily="34" charset="0"/>
-              <a:buChar char="•"/>
-              <a:tabLst/>
-              <a:defRPr/>
-            </a:pPr>
-            <a:r>
-              <a:rPr lang="en-US" sz="2800" dirty="0">
-                <a:solidFill>
-                  <a:srgbClr val="002060"/>
-                </a:solidFill>
-                <a:latin typeface="Gotham Medium" panose="02000604030000020004" pitchFamily="2" charset="0"/>
-              </a:rPr>
-              <a:t>AWS_PROFILE</a:t>
             </a:r>
           </a:p>
           <a:p>
@@ -10667,7 +11400,15 @@
           <a:p>
             <a:r>
               <a:rPr lang="en-US" dirty="0"/>
-              <a:t>What credential is being used…?</a:t>
+              <a:t>What </a:t>
+            </a:r>
+            <a:r>
+              <a:rPr lang="en-US"/>
+              <a:t>credentials are </a:t>
+            </a:r>
+            <a:r>
+              <a:rPr lang="en-US" dirty="0"/>
+              <a:t>being used…?</a:t>
             </a:r>
           </a:p>
         </p:txBody>
